--- a/2024/Lec/Юнит 6 - методы предсказания ВР.pptx
+++ b/2024/Lec/Юнит 6 - методы предсказания ВР.pptx
@@ -5,16 +5,15 @@
     <p:sldMasterId id="2147483648" r:id="rId1"/>
   </p:sldMasterIdLst>
   <p:notesMasterIdLst>
-    <p:notesMasterId r:id="rId9"/>
+    <p:notesMasterId r:id="rId8"/>
   </p:notesMasterIdLst>
   <p:sldIdLst>
     <p:sldId id="256" r:id="rId2"/>
-    <p:sldId id="346" r:id="rId3"/>
-    <p:sldId id="347" r:id="rId4"/>
-    <p:sldId id="348" r:id="rId5"/>
-    <p:sldId id="349" r:id="rId6"/>
-    <p:sldId id="350" r:id="rId7"/>
-    <p:sldId id="351" r:id="rId8"/>
+    <p:sldId id="350" r:id="rId3"/>
+    <p:sldId id="346" r:id="rId4"/>
+    <p:sldId id="347" r:id="rId5"/>
+    <p:sldId id="348" r:id="rId6"/>
+    <p:sldId id="349" r:id="rId7"/>
   </p:sldIdLst>
   <p:sldSz cx="12192000" cy="6858000"/>
   <p:notesSz cx="6858000" cy="9144000"/>
@@ -114,6 +113,20 @@
     </a:lvl9pPr>
   </p:defaultTextStyle>
   <p:extLst>
+    <p:ext uri="{521415D9-36F7-43E2-AB2F-B90AF26B5E84}">
+      <p14:sectionLst xmlns:p14="http://schemas.microsoft.com/office/powerpoint/2010/main">
+        <p14:section name="Раздел по умолчанию" id="{201EE05C-F9E4-4BBB-A5C1-9C9F75E33B4A}">
+          <p14:sldIdLst>
+            <p14:sldId id="256"/>
+            <p14:sldId id="350"/>
+            <p14:sldId id="346"/>
+            <p14:sldId id="347"/>
+            <p14:sldId id="348"/>
+            <p14:sldId id="349"/>
+          </p14:sldIdLst>
+        </p14:section>
+      </p14:sectionLst>
+    </p:ext>
     <p:ext uri="{EFAFB233-063F-42B5-8137-9DF3F51BA10A}">
       <p15:sldGuideLst xmlns:p15="http://schemas.microsoft.com/office/powerpoint/2012/main"/>
     </p:ext>
@@ -203,7 +216,7 @@
           <a:p>
             <a:fld id="{C730246F-5962-E14A-AAF2-985CCFDAC345}" type="datetimeFigureOut">
               <a:rPr lang="ru-RU" smtClean="0"/>
-              <a:t>19.10.2023</a:t>
+              <a:t>28.02.2024</a:t>
             </a:fld>
             <a:endParaRPr lang="ru-RU"/>
           </a:p>
@@ -619,7 +632,7 @@
           <a:p>
             <a:fld id="{44343DC6-30E4-4569-999A-C703F926F2AF}" type="datetimeFigureOut">
               <a:rPr lang="en-US" smtClean="0"/>
-              <a:t>10/19/2023</a:t>
+              <a:t>2/28/2024</a:t>
             </a:fld>
             <a:endParaRPr lang="en-US"/>
           </a:p>
@@ -819,7 +832,7 @@
           <a:p>
             <a:fld id="{44343DC6-30E4-4569-999A-C703F926F2AF}" type="datetimeFigureOut">
               <a:rPr lang="en-US" smtClean="0"/>
-              <a:t>10/19/2023</a:t>
+              <a:t>2/28/2024</a:t>
             </a:fld>
             <a:endParaRPr lang="en-US"/>
           </a:p>
@@ -1029,7 +1042,7 @@
           <a:p>
             <a:fld id="{44343DC6-30E4-4569-999A-C703F926F2AF}" type="datetimeFigureOut">
               <a:rPr lang="en-US" smtClean="0"/>
-              <a:t>10/19/2023</a:t>
+              <a:t>2/28/2024</a:t>
             </a:fld>
             <a:endParaRPr lang="en-US"/>
           </a:p>
@@ -1229,7 +1242,7 @@
           <a:p>
             <a:fld id="{44343DC6-30E4-4569-999A-C703F926F2AF}" type="datetimeFigureOut">
               <a:rPr lang="en-US" smtClean="0"/>
-              <a:t>10/19/2023</a:t>
+              <a:t>2/28/2024</a:t>
             </a:fld>
             <a:endParaRPr lang="en-US"/>
           </a:p>
@@ -1505,7 +1518,7 @@
           <a:p>
             <a:fld id="{44343DC6-30E4-4569-999A-C703F926F2AF}" type="datetimeFigureOut">
               <a:rPr lang="en-US" smtClean="0"/>
-              <a:t>10/19/2023</a:t>
+              <a:t>2/28/2024</a:t>
             </a:fld>
             <a:endParaRPr lang="en-US"/>
           </a:p>
@@ -1773,7 +1786,7 @@
           <a:p>
             <a:fld id="{44343DC6-30E4-4569-999A-C703F926F2AF}" type="datetimeFigureOut">
               <a:rPr lang="en-US" smtClean="0"/>
-              <a:t>10/19/2023</a:t>
+              <a:t>2/28/2024</a:t>
             </a:fld>
             <a:endParaRPr lang="en-US"/>
           </a:p>
@@ -2188,7 +2201,7 @@
           <a:p>
             <a:fld id="{44343DC6-30E4-4569-999A-C703F926F2AF}" type="datetimeFigureOut">
               <a:rPr lang="en-US" smtClean="0"/>
-              <a:t>10/19/2023</a:t>
+              <a:t>2/28/2024</a:t>
             </a:fld>
             <a:endParaRPr lang="en-US"/>
           </a:p>
@@ -2330,7 +2343,7 @@
           <a:p>
             <a:fld id="{44343DC6-30E4-4569-999A-C703F926F2AF}" type="datetimeFigureOut">
               <a:rPr lang="en-US" smtClean="0"/>
-              <a:t>10/19/2023</a:t>
+              <a:t>2/28/2024</a:t>
             </a:fld>
             <a:endParaRPr lang="en-US"/>
           </a:p>
@@ -2443,7 +2456,7 @@
           <a:p>
             <a:fld id="{44343DC6-30E4-4569-999A-C703F926F2AF}" type="datetimeFigureOut">
               <a:rPr lang="en-US" smtClean="0"/>
-              <a:t>10/19/2023</a:t>
+              <a:t>2/28/2024</a:t>
             </a:fld>
             <a:endParaRPr lang="en-US"/>
           </a:p>
@@ -2756,7 +2769,7 @@
           <a:p>
             <a:fld id="{44343DC6-30E4-4569-999A-C703F926F2AF}" type="datetimeFigureOut">
               <a:rPr lang="en-US" smtClean="0"/>
-              <a:t>10/19/2023</a:t>
+              <a:t>2/28/2024</a:t>
             </a:fld>
             <a:endParaRPr lang="en-US"/>
           </a:p>
@@ -3045,7 +3058,7 @@
           <a:p>
             <a:fld id="{44343DC6-30E4-4569-999A-C703F926F2AF}" type="datetimeFigureOut">
               <a:rPr lang="en-US" smtClean="0"/>
-              <a:t>10/19/2023</a:t>
+              <a:t>2/28/2024</a:t>
             </a:fld>
             <a:endParaRPr lang="en-US"/>
           </a:p>
@@ -3288,7 +3301,7 @@
           <a:p>
             <a:fld id="{44343DC6-30E4-4569-999A-C703F926F2AF}" type="datetimeFigureOut">
               <a:rPr lang="en-US" smtClean="0"/>
-              <a:t>10/19/2023</a:t>
+              <a:t>2/28/2024</a:t>
             </a:fld>
             <a:endParaRPr lang="en-US"/>
           </a:p>
@@ -3788,192 +3801,68 @@
             <p:ph type="title"/>
           </p:nvPr>
         </p:nvSpPr>
+        <p:spPr/>
+        <p:txBody>
+          <a:bodyPr/>
+          <a:lstStyle/>
+          <a:p>
+            <a:endParaRPr lang="ru-RU"/>
+          </a:p>
+        </p:txBody>
+      </p:sp>
+      <p:sp>
+        <p:nvSpPr>
+          <p:cNvPr id="3" name="Объект 2"/>
+          <p:cNvSpPr>
+            <a:spLocks noGrp="1"/>
+          </p:cNvSpPr>
+          <p:nvPr>
+            <p:ph idx="1"/>
+          </p:nvPr>
+        </p:nvSpPr>
+        <p:spPr/>
+        <p:txBody>
+          <a:bodyPr/>
+          <a:lstStyle/>
+          <a:p>
+            <a:endParaRPr lang="ru-RU" dirty="0"/>
+          </a:p>
+        </p:txBody>
+      </p:sp>
+      <p:pic>
+        <p:nvPicPr>
+          <p:cNvPr id="4" name="Рисунок 3"/>
+          <p:cNvPicPr>
+            <a:picLocks noChangeAspect="1"/>
+          </p:cNvPicPr>
+          <p:nvPr/>
+        </p:nvPicPr>
+        <p:blipFill>
+          <a:blip r:embed="rId2"/>
+          <a:stretch>
+            <a:fillRect/>
+          </a:stretch>
+        </p:blipFill>
         <p:spPr>
           <a:xfrm>
-            <a:off x="256374" y="365125"/>
-            <a:ext cx="11097426" cy="566367"/>
+            <a:off x="95571" y="1152924"/>
+            <a:ext cx="12000858" cy="2655722"/>
           </a:xfrm>
+          <a:prstGeom prst="rect">
+            <a:avLst/>
+          </a:prstGeom>
         </p:spPr>
-        <p:txBody>
-          <a:bodyPr>
-            <a:noAutofit/>
-          </a:bodyPr>
-          <a:lstStyle/>
-          <a:p>
-            <a:pPr algn="l" rtl="0">
-              <a:lnSpc>
-                <a:spcPct val="100000"/>
-              </a:lnSpc>
-              <a:spcBef>
-                <a:spcPts val="0"/>
-              </a:spcBef>
-            </a:pPr>
-            <a:r>
-              <a:rPr lang="en-US" sz="3200" b="1" dirty="0" err="1"/>
-              <a:t>Прогноз</a:t>
-            </a:r>
-            <a:r>
-              <a:rPr lang="en-US" sz="3200" b="1" dirty="0"/>
-              <a:t> временного ряда</a:t>
-            </a:r>
-          </a:p>
-        </p:txBody>
-      </p:sp>
-      <p:sp>
-        <p:nvSpPr>
-          <p:cNvPr id="3" name="Объект 2"/>
-          <p:cNvSpPr>
-            <a:spLocks noGrp="1"/>
-          </p:cNvSpPr>
-          <p:nvPr>
-            <p:ph idx="1"/>
-          </p:nvPr>
-        </p:nvSpPr>
-        <p:spPr>
-          <a:xfrm>
-            <a:off x="256374" y="846034"/>
-            <a:ext cx="11528276" cy="5503491"/>
-          </a:xfrm>
-        </p:spPr>
-        <p:txBody>
-          <a:bodyPr>
-            <a:noAutofit/>
-          </a:bodyPr>
-          <a:lstStyle/>
-          <a:p>
-            <a:pPr lvl="0"/>
-            <a:r>
-              <a:rPr lang="ru-RU" sz="2000" dirty="0"/>
-              <a:t>Существует несколько типов решения задачи прогноза временных рядов.</a:t>
-            </a:r>
-          </a:p>
-          <a:p>
-            <a:pPr lvl="0"/>
-            <a:r>
-              <a:rPr lang="ru-RU" sz="2000" b="1" dirty="0"/>
-              <a:t>Стохастические модели (или подход, основанный на моделях)</a:t>
-            </a:r>
-            <a:r>
-              <a:rPr lang="ru-RU" sz="2000" dirty="0"/>
-              <a:t> . Методы можно разделить на непараметрические и параметрические.</a:t>
-            </a:r>
-          </a:p>
-          <a:p>
-            <a:pPr lvl="0"/>
-            <a:r>
-              <a:rPr lang="ru-RU" sz="2000" b="1" dirty="0"/>
-              <a:t>непараметрические,</a:t>
-            </a:r>
-            <a:r>
-              <a:rPr lang="ru-RU" sz="2000" dirty="0"/>
-              <a:t>  такие как скользящее среднее, </a:t>
-            </a:r>
-            <a:r>
-              <a:rPr lang="ru-RU" sz="2000" dirty="0" err="1"/>
-              <a:t>Холта</a:t>
-            </a:r>
-            <a:r>
-              <a:rPr lang="ru-RU" sz="2000" dirty="0"/>
-              <a:t>-Винтера, простая регрессия:</a:t>
-            </a:r>
-          </a:p>
-          <a:p>
-            <a:pPr lvl="1"/>
-            <a:r>
-              <a:rPr lang="ru-RU" sz="2000" dirty="0"/>
-              <a:t>на основе аналитической модели поведения ряда,</a:t>
-            </a:r>
-          </a:p>
-          <a:p>
-            <a:pPr lvl="1"/>
-            <a:r>
-              <a:rPr lang="ru-RU" sz="2000" dirty="0"/>
-              <a:t>легко обучаться и </a:t>
-            </a:r>
-            <a:r>
-              <a:rPr lang="ru-RU" sz="2000" dirty="0" err="1"/>
-              <a:t>дообучаться</a:t>
-            </a:r>
-            <a:r>
-              <a:rPr lang="ru-RU" sz="2000" dirty="0"/>
-              <a:t>,</a:t>
-            </a:r>
-          </a:p>
-          <a:p>
-            <a:pPr lvl="1"/>
-            <a:r>
-              <a:rPr lang="ru-RU" sz="2000" dirty="0"/>
-              <a:t>низкая вероятность переобучения,</a:t>
-            </a:r>
-          </a:p>
-          <a:p>
-            <a:pPr lvl="1"/>
-            <a:r>
-              <a:rPr lang="ru-RU" sz="2000" dirty="0"/>
-              <a:t>обеспечивают наилучшую точность для сравнительно простых данных (стационарных с гауссовыми шумами или некоторыми простыми шумами, такими как симметрично распределенные).</a:t>
-            </a:r>
-          </a:p>
-          <a:p>
-            <a:pPr lvl="1"/>
-            <a:r>
-              <a:rPr lang="ru-RU" sz="2000" dirty="0"/>
-              <a:t>точность сильно зависит от количества данных для обучения.</a:t>
-            </a:r>
-          </a:p>
-          <a:p>
-            <a:pPr lvl="1"/>
-            <a:r>
-              <a:rPr lang="ru-RU" sz="2000" dirty="0"/>
-              <a:t>производительность резко снижается, если поведение данных отличается от предполагаемого (формируют предполагаемую статистическую гипотезу).</a:t>
-            </a:r>
-          </a:p>
-          <a:p>
-            <a:pPr lvl="1"/>
-            <a:r>
-              <a:rPr lang="ru-RU" sz="2000" dirty="0"/>
-              <a:t>Хорошо работает только в одномерном случае.</a:t>
-            </a:r>
-          </a:p>
-          <a:p>
-            <a:pPr lvl="1"/>
-            <a:r>
-              <a:rPr lang="ru-RU" sz="2000" dirty="0"/>
-              <a:t>Легко интерпретируется.</a:t>
-            </a:r>
-          </a:p>
-          <a:p>
-            <a:pPr lvl="1"/>
-            <a:r>
-              <a:rPr lang="ru-RU" sz="2000" dirty="0"/>
-              <a:t>Может иметь аналитическое решение (например, для линейной регрессии).</a:t>
-            </a:r>
-          </a:p>
-          <a:p>
-            <a:pPr lvl="1"/>
-            <a:r>
-              <a:rPr lang="ru-RU" sz="2000" dirty="0"/>
-              <a:t>Для работы нам нужно знать тип распределения или делать серьезные предположения о нем.</a:t>
-            </a:r>
-          </a:p>
-        </p:txBody>
-      </p:sp>
+      </p:pic>
     </p:spTree>
     <p:extLst>
       <p:ext uri="{BB962C8B-B14F-4D97-AF65-F5344CB8AC3E}">
-        <p14:creationId xmlns:p14="http://schemas.microsoft.com/office/powerpoint/2010/main" val="626845024"/>
+        <p14:creationId xmlns:p14="http://schemas.microsoft.com/office/powerpoint/2010/main" val="4040844491"/>
       </p:ext>
     </p:extLst>
   </p:cSld>
   <p:clrMapOvr>
     <a:masterClrMapping/>
   </p:clrMapOvr>
-  <p:timing>
-    <p:tnLst>
-      <p:par>
-        <p:cTn id="1" dur="indefinite" restart="never" nodeType="tmRoot"/>
-      </p:par>
-    </p:tnLst>
-  </p:timing>
 </p:sld>
 </file>
 
@@ -4016,16 +3905,54 @@
           </a:bodyPr>
           <a:lstStyle/>
           <a:p>
-            <a:pPr algn="l" rtl="0"/>
+            <a:pPr>
+              <a:lnSpc>
+                <a:spcPct val="100000"/>
+              </a:lnSpc>
+              <a:spcBef>
+                <a:spcPts val="0"/>
+              </a:spcBef>
+            </a:pPr>
             <a:r>
               <a:rPr lang="en-US" sz="3200" b="1" dirty="0" err="1"/>
               <a:t>Прогноз</a:t>
             </a:r>
             <a:r>
               <a:rPr lang="en-US" sz="3200" b="1" dirty="0"/>
-              <a:t> временного ряда</a:t>
-            </a:r>
-            <a:endParaRPr lang="ru-RU" sz="3200" b="1" dirty="0"/>
+              <a:t> </a:t>
+            </a:r>
+            <a:r>
+              <a:rPr lang="en-US" sz="3200" b="1" dirty="0" err="1"/>
+              <a:t>временного</a:t>
+            </a:r>
+            <a:r>
+              <a:rPr lang="en-US" sz="3200" b="1" dirty="0"/>
+              <a:t> </a:t>
+            </a:r>
+            <a:r>
+              <a:rPr lang="en-US" sz="3200" b="1" dirty="0" err="1" smtClean="0"/>
+              <a:t>ряда</a:t>
+            </a:r>
+            <a:r>
+              <a:rPr lang="ru-RU" sz="3200" b="1" dirty="0"/>
+              <a:t>. </a:t>
+            </a:r>
+            <a:r>
+              <a:rPr lang="ru-RU" sz="3200" b="1" dirty="0" smtClean="0"/>
+              <a:t/>
+            </a:r>
+            <a:br>
+              <a:rPr lang="ru-RU" sz="3200" b="1" dirty="0" smtClean="0"/>
+            </a:br>
+            <a:r>
+              <a:rPr lang="ru-RU" sz="3200" b="1" dirty="0" smtClean="0"/>
+              <a:t>Методы </a:t>
+            </a:r>
+            <a:r>
+              <a:rPr lang="ru-RU" sz="3200" b="1" dirty="0"/>
+              <a:t>на основе специфичной модели</a:t>
+            </a:r>
+            <a:endParaRPr lang="en-US" sz="3200" b="1" dirty="0"/>
           </a:p>
         </p:txBody>
       </p:sp>
@@ -4041,8 +3968,8 @@
         </p:nvSpPr>
         <p:spPr>
           <a:xfrm>
-            <a:off x="256374" y="846034"/>
-            <a:ext cx="10850898" cy="5245471"/>
+            <a:off x="256374" y="1045211"/>
+            <a:ext cx="11528276" cy="5503491"/>
           </a:xfrm>
         </p:spPr>
         <p:txBody>
@@ -4053,34 +3980,45 @@
           <a:p>
             <a:pPr lvl="0"/>
             <a:r>
+              <a:rPr lang="ru-RU" sz="2000" dirty="0"/>
+              <a:t>Существует несколько типов решения задачи прогноза временных рядов.</a:t>
+            </a:r>
+          </a:p>
+          <a:p>
+            <a:pPr lvl="0"/>
+            <a:r>
               <a:rPr lang="ru-RU" sz="2000" b="1" dirty="0"/>
-              <a:t>Параметрические методы,</a:t>
-            </a:r>
-            <a:r>
-              <a:rPr lang="ru-RU" sz="2000" dirty="0"/>
-              <a:t>  такие как ARIMA, GARCH, </a:t>
+              <a:t>Стохастические модели (или подход, основанный на моделях)</a:t>
+            </a:r>
+            <a:r>
+              <a:rPr lang="ru-RU" sz="2000" dirty="0"/>
+              <a:t> . Методы можно разделить на непараметрические и параметрические.</a:t>
+            </a:r>
+          </a:p>
+          <a:p>
+            <a:pPr lvl="0"/>
+            <a:r>
+              <a:rPr lang="ru-RU" sz="2000" b="1" dirty="0"/>
+              <a:t>непараметрические,</a:t>
+            </a:r>
+            <a:r>
+              <a:rPr lang="ru-RU" sz="2000" dirty="0"/>
+              <a:t>  такие как скользящее среднее, </a:t>
             </a:r>
             <a:r>
               <a:rPr lang="ru-RU" sz="2000" dirty="0" err="1"/>
-              <a:t>Prophet</a:t>
-            </a:r>
-            <a:r>
-              <a:rPr lang="ru-RU" sz="2000" dirty="0"/>
-              <a:t> и т. д.</a:t>
+              <a:t>Холта</a:t>
+            </a:r>
+            <a:r>
+              <a:rPr lang="ru-RU" sz="2000" dirty="0"/>
+              <a:t>-Винтера, простая регрессия:</a:t>
             </a:r>
           </a:p>
           <a:p>
             <a:pPr lvl="1"/>
             <a:r>
               <a:rPr lang="ru-RU" sz="2000" dirty="0"/>
-              <a:t>Строиться на основе аналитико-параметрической модели поведения ряда,</a:t>
-            </a:r>
-          </a:p>
-          <a:p>
-            <a:pPr lvl="1"/>
-            <a:r>
-              <a:rPr lang="ru-RU" sz="2000" dirty="0"/>
-              <a:t>прост для понимания и реализации,</a:t>
+              <a:t>на основе аналитической модели поведения ряда,</a:t>
             </a:r>
           </a:p>
           <a:p>
@@ -4102,87 +4040,56 @@
             <a:pPr lvl="1"/>
             <a:r>
               <a:rPr lang="ru-RU" sz="2000" dirty="0"/>
-              <a:t>обеспечивают достаточно высокую точность прогноза,</a:t>
+              <a:t>низкая вероятность переобучения,</a:t>
             </a:r>
           </a:p>
           <a:p>
             <a:pPr lvl="1"/>
             <a:r>
               <a:rPr lang="ru-RU" sz="2000" dirty="0"/>
-              <a:t>лучше работать с одномерными данными,</a:t>
+              <a:t>обеспечивают наилучшую точность для сравнительно простых данных (стационарных с гауссовыми шумами или некоторыми простыми шумами, такими как симметрично распределенные).</a:t>
             </a:r>
           </a:p>
           <a:p>
             <a:pPr lvl="1"/>
             <a:r>
               <a:rPr lang="ru-RU" sz="2000" dirty="0"/>
-              <a:t>лучше при относительно простых </a:t>
-            </a:r>
-            <a:r>
-              <a:rPr lang="ru-RU" sz="2000" dirty="0" err="1"/>
-              <a:t>нестационарностях</a:t>
-            </a:r>
-            <a:r>
-              <a:rPr lang="ru-RU" sz="2000" dirty="0"/>
-              <a:t> в данных,</a:t>
+              <a:t>точность сильно зависит от количества данных для обучения.</a:t>
             </a:r>
           </a:p>
           <a:p>
             <a:pPr lvl="1"/>
             <a:r>
               <a:rPr lang="ru-RU" sz="2000" dirty="0"/>
-              <a:t>точность сильно зависит от количества данных для обучения,</a:t>
+              <a:t>производительность резко снижается, если поведение данных отличается от предполагаемого (формируют предполагаемую статистическую гипотезу).</a:t>
             </a:r>
           </a:p>
           <a:p>
             <a:pPr lvl="1"/>
             <a:r>
               <a:rPr lang="ru-RU" sz="2000" dirty="0"/>
-              <a:t>точность сильно зависит от выбора значений </a:t>
-            </a:r>
-            <a:r>
-              <a:rPr lang="ru-RU" sz="2000" dirty="0" err="1"/>
-              <a:t>гиперпараметров</a:t>
-            </a:r>
-            <a:r>
-              <a:rPr lang="ru-RU" sz="2000" dirty="0"/>
-              <a:t> (здесь </a:t>
-            </a:r>
-            <a:r>
-              <a:rPr lang="ru-RU" sz="2000" dirty="0" err="1"/>
-              <a:t>гиперпараметры</a:t>
-            </a:r>
-            <a:r>
-              <a:rPr lang="ru-RU" sz="2000" dirty="0"/>
-              <a:t> являются аналогом статистической гипотезы в непараметрическом подходе),</a:t>
+              <a:t>Хорошо работает только в одномерном случае.</a:t>
             </a:r>
           </a:p>
           <a:p>
             <a:pPr lvl="1"/>
             <a:r>
               <a:rPr lang="ru-RU" sz="2000" dirty="0"/>
-              <a:t>не может справиться со сложной нелинейной зависимостью между данными,</a:t>
+              <a:t>Легко интерпретируется.</a:t>
             </a:r>
           </a:p>
           <a:p>
             <a:pPr lvl="1"/>
             <a:r>
               <a:rPr lang="ru-RU" sz="2000" dirty="0"/>
-              <a:t>низкая производительность для огромных многомерных нестационарных рядов (особенно в случае данных с различным поведением и т. д.).</a:t>
+              <a:t>Может иметь аналитическое решение (например, для линейной регрессии).</a:t>
             </a:r>
           </a:p>
           <a:p>
             <a:pPr lvl="1"/>
             <a:r>
               <a:rPr lang="ru-RU" sz="2000" dirty="0"/>
-              <a:t>Легко интерпретируется.</a:t>
-            </a:r>
-          </a:p>
-          <a:p>
-            <a:pPr lvl="1"/>
-            <a:r>
-              <a:rPr lang="ru-RU" sz="2000" dirty="0"/>
-              <a:t>Более устойчивый к выводам в случае хорошо выбранной модели (из-за сверхвысокого разрешения с выводами для небольших наборов данных).</a:t>
+              <a:t>Для работы нам нужно знать тип распределения или делать серьезные предположения о нем.</a:t>
             </a:r>
           </a:p>
         </p:txBody>
@@ -4190,7 +4097,7 @@
     </p:spTree>
     <p:extLst>
       <p:ext uri="{BB962C8B-B14F-4D97-AF65-F5344CB8AC3E}">
-        <p14:creationId xmlns:p14="http://schemas.microsoft.com/office/powerpoint/2010/main" val="2403468856"/>
+        <p14:creationId xmlns:p14="http://schemas.microsoft.com/office/powerpoint/2010/main" val="626845024"/>
       </p:ext>
     </p:extLst>
   </p:cSld>
@@ -4248,12 +4155,35 @@
           <a:p>
             <a:pPr algn="l" rtl="0"/>
             <a:r>
-              <a:rPr lang="ru-RU" sz="3200" b="1" dirty="0"/>
-              <a:t>Методы машинного обучения</a:t>
+              <a:rPr lang="en-US" sz="3200" b="1" dirty="0" err="1"/>
+              <a:t>Прогноз</a:t>
             </a:r>
             <a:r>
               <a:rPr lang="en-US" sz="3200" b="1" dirty="0"/>
-              <a:t>. Прогноз временного ряда</a:t>
+              <a:t> </a:t>
+            </a:r>
+            <a:r>
+              <a:rPr lang="en-US" sz="3200" b="1" dirty="0" err="1"/>
+              <a:t>временного</a:t>
+            </a:r>
+            <a:r>
+              <a:rPr lang="en-US" sz="3200" b="1" dirty="0"/>
+              <a:t> </a:t>
+            </a:r>
+            <a:r>
+              <a:rPr lang="en-US" sz="3200" b="1" dirty="0" err="1" smtClean="0"/>
+              <a:t>ряда</a:t>
+            </a:r>
+            <a:r>
+              <a:rPr lang="ru-RU" sz="3200" b="1" dirty="0" smtClean="0"/>
+              <a:t>. </a:t>
+            </a:r>
+            <a:br>
+              <a:rPr lang="ru-RU" sz="3200" b="1" dirty="0" smtClean="0"/>
+            </a:br>
+            <a:r>
+              <a:rPr lang="ru-RU" sz="3200" b="1" dirty="0" smtClean="0"/>
+              <a:t>Методы на основе специфичной модели</a:t>
             </a:r>
             <a:endParaRPr lang="ru-RU" sz="3200" b="1" dirty="0"/>
           </a:p>
@@ -4271,8 +4201,8 @@
         </p:nvSpPr>
         <p:spPr>
           <a:xfrm>
-            <a:off x="256373" y="846034"/>
-            <a:ext cx="11835925" cy="5245471"/>
+            <a:off x="256374" y="1145415"/>
+            <a:ext cx="11379366" cy="5009465"/>
           </a:xfrm>
         </p:spPr>
         <p:txBody>
@@ -4284,84 +4214,91 @@
             <a:pPr lvl="0"/>
             <a:r>
               <a:rPr lang="ru-RU" sz="2000" b="1" dirty="0"/>
-              <a:t>Модели, управляемые данными (или подход машинного обучения)</a:t>
-            </a:r>
-            <a:endParaRPr lang="ru-RU" sz="2000" dirty="0"/>
-          </a:p>
-          <a:p>
-            <a:pPr lvl="0"/>
-            <a:r>
-              <a:rPr lang="ru-RU" sz="2000" dirty="0"/>
-              <a:t>Методы можно разделить на классическое машинное обучение и глубокую нейронную сеть.</a:t>
-            </a:r>
-          </a:p>
-          <a:p>
-            <a:pPr lvl="0"/>
-            <a:r>
-              <a:rPr lang="ru-RU" sz="2000" b="1" dirty="0"/>
-              <a:t>Классические модели, управляемые данными (или подход машинного обучения)</a:t>
-            </a:r>
-            <a:r>
-              <a:rPr lang="ru-RU" sz="2000" dirty="0"/>
-              <a:t> .</a:t>
-            </a:r>
-          </a:p>
-          <a:p>
-            <a:pPr lvl="0"/>
-            <a:r>
-              <a:rPr lang="ru-RU" sz="2000" dirty="0"/>
-              <a:t>Такие методы, как векторная регрессия (SVR), случайный лес регрессии, </a:t>
+              <a:t>Параметрические методы,</a:t>
+            </a:r>
+            <a:r>
+              <a:rPr lang="ru-RU" sz="2000" dirty="0"/>
+              <a:t>  такие как ARIMA, GARCH, </a:t>
             </a:r>
             <a:r>
               <a:rPr lang="ru-RU" sz="2000" dirty="0" err="1"/>
-              <a:t>XGBoost</a:t>
-            </a:r>
-            <a:r>
-              <a:rPr lang="ru-RU" sz="2000" dirty="0"/>
-              <a:t> и </a:t>
+              <a:t>Prophet</a:t>
+            </a:r>
+            <a:r>
+              <a:rPr lang="ru-RU" sz="2000" dirty="0"/>
+              <a:t> и т. д.</a:t>
+            </a:r>
+          </a:p>
+          <a:p>
+            <a:pPr lvl="1"/>
+            <a:r>
+              <a:rPr lang="ru-RU" sz="2000" dirty="0"/>
+              <a:t>Строиться на основе аналитико-параметрической модели поведения ряда,</a:t>
+            </a:r>
+          </a:p>
+          <a:p>
+            <a:pPr lvl="1"/>
+            <a:r>
+              <a:rPr lang="ru-RU" sz="2000" dirty="0"/>
+              <a:t>прост для понимания и реализации,</a:t>
+            </a:r>
+          </a:p>
+          <a:p>
+            <a:pPr lvl="1"/>
+            <a:r>
+              <a:rPr lang="ru-RU" sz="2000" dirty="0"/>
+              <a:t>легко обучаться и </a:t>
             </a:r>
             <a:r>
               <a:rPr lang="ru-RU" sz="2000" dirty="0" err="1"/>
-              <a:t>тд</a:t>
-            </a:r>
-            <a:r>
-              <a:rPr lang="ru-RU" sz="2000" dirty="0"/>
-              <a:t>.</a:t>
+              <a:t>дообучаться</a:t>
+            </a:r>
+            <a:r>
+              <a:rPr lang="ru-RU" sz="2000" dirty="0"/>
+              <a:t>,</a:t>
             </a:r>
           </a:p>
           <a:p>
             <a:pPr lvl="1"/>
             <a:r>
               <a:rPr lang="ru-RU" sz="2000" dirty="0"/>
-              <a:t>Позволяют работать с сильно нелинейными данными.</a:t>
+              <a:t>обеспечивают достаточно высокую точность прогноза,</a:t>
             </a:r>
           </a:p>
           <a:p>
             <a:pPr lvl="1"/>
             <a:r>
               <a:rPr lang="ru-RU" sz="2000" dirty="0"/>
-              <a:t>Нет необходимости в статистической гипотезе для модели.</a:t>
+              <a:t>лучше работать с одномерными данными,</a:t>
             </a:r>
           </a:p>
           <a:p>
             <a:pPr lvl="1"/>
             <a:r>
               <a:rPr lang="ru-RU" sz="2000" dirty="0"/>
-              <a:t>Хорошо справляется с нестационарными отношениями между данными.</a:t>
+              <a:t>лучше при относительно простых </a:t>
+            </a:r>
+            <a:r>
+              <a:rPr lang="ru-RU" sz="2000" dirty="0" err="1"/>
+              <a:t>нестационарностях</a:t>
+            </a:r>
+            <a:r>
+              <a:rPr lang="ru-RU" sz="2000" dirty="0"/>
+              <a:t> в данных,</a:t>
             </a:r>
           </a:p>
           <a:p>
             <a:pPr lvl="1"/>
             <a:r>
               <a:rPr lang="ru-RU" sz="2000" dirty="0"/>
-              <a:t>Легко тренировать.</a:t>
+              <a:t>точность сильно зависит от количества данных для обучения,</a:t>
             </a:r>
           </a:p>
           <a:p>
             <a:pPr lvl="1"/>
             <a:r>
               <a:rPr lang="ru-RU" sz="2000" dirty="0"/>
-              <a:t>Точность сильно зависит от выбора значений </a:t>
+              <a:t>точность сильно зависит от выбора значений </a:t>
             </a:r>
             <a:r>
               <a:rPr lang="ru-RU" sz="2000" dirty="0" err="1"/>
@@ -4369,28 +4306,43 @@
             </a:r>
             <a:r>
               <a:rPr lang="ru-RU" sz="2000" dirty="0"/>
-              <a:t>.</a:t>
+              <a:t> (здесь </a:t>
+            </a:r>
+            <a:r>
+              <a:rPr lang="ru-RU" sz="2000" dirty="0" err="1"/>
+              <a:t>гиперпараметры</a:t>
+            </a:r>
+            <a:r>
+              <a:rPr lang="ru-RU" sz="2000" dirty="0"/>
+              <a:t> являются аналогом статистической гипотезы в непараметрическом подходе),</a:t>
             </a:r>
           </a:p>
           <a:p>
             <a:pPr lvl="1"/>
             <a:r>
               <a:rPr lang="ru-RU" sz="2000" dirty="0"/>
-              <a:t>Неявная зависимость выбранной модели и данных от результатов прогноза.</a:t>
+              <a:t>не может справиться со сложной нелинейной зависимостью между данными,</a:t>
             </a:r>
           </a:p>
           <a:p>
             <a:pPr lvl="1"/>
             <a:r>
               <a:rPr lang="ru-RU" sz="2000" dirty="0"/>
-              <a:t>Точность сильно зависит от сходства между обученными данными и данными вывода.</a:t>
+              <a:t>низкая производительность для огромных многомерных нестационарных рядов (особенно в случае данных с различным поведением и т. д.).</a:t>
             </a:r>
           </a:p>
           <a:p>
             <a:pPr lvl="1"/>
             <a:r>
               <a:rPr lang="ru-RU" sz="2000" dirty="0"/>
-              <a:t>Трудно достичь сопоставимой точности с подходом на основе модели для относительно простых данных.</a:t>
+              <a:t>Легко интерпретируется.</a:t>
+            </a:r>
+          </a:p>
+          <a:p>
+            <a:pPr lvl="1"/>
+            <a:r>
+              <a:rPr lang="ru-RU" sz="2000" dirty="0"/>
+              <a:t>Более устойчивый к выводам в случае хорошо выбранной модели (из-за сверхвысокого разрешения с выводами для небольших наборов данных).</a:t>
             </a:r>
           </a:p>
         </p:txBody>
@@ -4398,7 +4350,7 @@
     </p:spTree>
     <p:extLst>
       <p:ext uri="{BB962C8B-B14F-4D97-AF65-F5344CB8AC3E}">
-        <p14:creationId xmlns:p14="http://schemas.microsoft.com/office/powerpoint/2010/main" val="2774874274"/>
+        <p14:creationId xmlns:p14="http://schemas.microsoft.com/office/powerpoint/2010/main" val="2403468856"/>
       </p:ext>
     </p:extLst>
   </p:cSld>
@@ -4456,12 +4408,28 @@
           <a:p>
             <a:pPr algn="l" rtl="0"/>
             <a:r>
-              <a:rPr lang="en-US" sz="3200" b="1" dirty="0" err="1"/>
-              <a:t>Прогноз</a:t>
+              <a:rPr lang="ru-RU" sz="3200" b="1" dirty="0"/>
+              <a:t>Методы машинного обучения</a:t>
             </a:r>
             <a:r>
               <a:rPr lang="en-US" sz="3200" b="1" dirty="0"/>
-              <a:t> временного ряда</a:t>
+              <a:t>. </a:t>
+            </a:r>
+            <a:r>
+              <a:rPr lang="en-US" sz="3200" b="1" dirty="0" smtClean="0"/>
+              <a:t>Data-Driven, </a:t>
+            </a:r>
+            <a:r>
+              <a:rPr lang="ru-RU" sz="3200" b="1" dirty="0" smtClean="0"/>
+              <a:t>М</a:t>
+            </a:r>
+            <a:r>
+              <a:rPr lang="en-US" sz="3200" b="1" dirty="0" err="1" smtClean="0"/>
+              <a:t>odel</a:t>
+            </a:r>
+            <a:r>
+              <a:rPr lang="en-US" sz="3200" b="1" dirty="0" smtClean="0"/>
+              <a:t> agnostic</a:t>
             </a:r>
             <a:endParaRPr lang="ru-RU" sz="3200" b="1" dirty="0"/>
           </a:p>
@@ -4492,7 +4460,22 @@
             <a:pPr lvl="0"/>
             <a:r>
               <a:rPr lang="ru-RU" sz="2000" b="1" dirty="0"/>
-              <a:t>Глубокая нейронная сеть</a:t>
+              <a:t>Модели, управляемые данными (или подход машинного обучения)</a:t>
+            </a:r>
+            <a:endParaRPr lang="ru-RU" sz="2000" dirty="0"/>
+          </a:p>
+          <a:p>
+            <a:pPr lvl="0"/>
+            <a:r>
+              <a:rPr lang="ru-RU" sz="2000" dirty="0"/>
+              <a:t>Методы можно разделить на классическое машинное обучение и глубокую нейронную сеть.</a:t>
+            </a:r>
+          </a:p>
+          <a:p>
+            <a:pPr lvl="0"/>
+            <a:r>
+              <a:rPr lang="ru-RU" sz="2000" b="1" dirty="0"/>
+              <a:t>Классические модели, управляемые данными (или подход машинного обучения)</a:t>
             </a:r>
             <a:r>
               <a:rPr lang="ru-RU" sz="2000" dirty="0"/>
@@ -4503,35 +4486,58 @@
             <a:pPr lvl="0"/>
             <a:r>
               <a:rPr lang="ru-RU" sz="2000" dirty="0"/>
-              <a:t>Нет необходимости в статистической гипотезе или конкретной форме модели.</a:t>
+              <a:t>Такие методы, как векторная регрессия (SVR), случайный лес регрессии, </a:t>
+            </a:r>
+            <a:r>
+              <a:rPr lang="ru-RU" sz="2000" dirty="0" err="1"/>
+              <a:t>XGBoost</a:t>
+            </a:r>
+            <a:r>
+              <a:rPr lang="ru-RU" sz="2000" dirty="0"/>
+              <a:t> и </a:t>
+            </a:r>
+            <a:r>
+              <a:rPr lang="ru-RU" sz="2000" dirty="0" err="1"/>
+              <a:t>тд</a:t>
+            </a:r>
+            <a:r>
+              <a:rPr lang="ru-RU" sz="2000" dirty="0"/>
+              <a:t>.</a:t>
             </a:r>
           </a:p>
           <a:p>
             <a:pPr lvl="1"/>
             <a:r>
               <a:rPr lang="ru-RU" sz="2000" dirty="0"/>
-              <a:t>Может аппроксимировать любую функцию с пропущенными данными, аномалиями и другими нерегулярными шаблонами.</a:t>
+              <a:t>Позволяют работать с сильно нелинейными данными.</a:t>
             </a:r>
           </a:p>
           <a:p>
             <a:pPr lvl="1"/>
             <a:r>
               <a:rPr lang="ru-RU" sz="2000" dirty="0"/>
-              <a:t>Позволяют работать с огромными многомерными рядами данных со сложной взаимосвязью поведения между данными.</a:t>
+              <a:t>Нет необходимости в статистической гипотезе для модели.</a:t>
             </a:r>
           </a:p>
           <a:p>
             <a:pPr lvl="1"/>
             <a:r>
               <a:rPr lang="ru-RU" sz="2000" dirty="0"/>
-              <a:t>Автоматически извлекает и обрабатывает сложные признаки и отношения между ними.</a:t>
+              <a:t>Хорошо справляется с нестационарными отношениями между данными.</a:t>
             </a:r>
           </a:p>
           <a:p>
             <a:pPr lvl="1"/>
             <a:r>
               <a:rPr lang="ru-RU" sz="2000" dirty="0"/>
-              <a:t>Требуется длительная настройка </a:t>
+              <a:t>Легко тренировать.</a:t>
+            </a:r>
+          </a:p>
+          <a:p>
+            <a:pPr lvl="1"/>
+            <a:r>
+              <a:rPr lang="ru-RU" sz="2000" dirty="0"/>
+              <a:t>Точность сильно зависит от выбора значений </a:t>
             </a:r>
             <a:r>
               <a:rPr lang="ru-RU" sz="2000" dirty="0" err="1"/>
@@ -4546,50 +4552,86 @@
             <a:pPr lvl="1"/>
             <a:r>
               <a:rPr lang="ru-RU" sz="2000" dirty="0"/>
-              <a:t>Часто требуется ансамбль сетей для получения высокой точности.</a:t>
+              <a:t>Неявная зависимость выбранной модели и данных от результатов прогноза.</a:t>
             </a:r>
           </a:p>
           <a:p>
             <a:pPr lvl="1"/>
             <a:r>
               <a:rPr lang="ru-RU" sz="2000" dirty="0"/>
-              <a:t>Тяжело перетренировать.</a:t>
+              <a:t>Точность сильно зависит от сходства между обученными данными и данными вывода.</a:t>
             </a:r>
           </a:p>
           <a:p>
             <a:pPr lvl="1"/>
             <a:r>
               <a:rPr lang="ru-RU" sz="2000" dirty="0"/>
-              <a:t>Трудно достичь сопоставимой точности с подходом на основе модели для относительно простых рядов.</a:t>
-            </a:r>
-          </a:p>
-          <a:p>
-            <a:pPr lvl="0"/>
-            <a:r>
-              <a:rPr lang="ru-RU" sz="2000" dirty="0"/>
-              <a:t>Выбор конкретных методов зависит от поставленной задачи.</a:t>
-            </a:r>
-          </a:p>
-          <a:p>
-            <a:pPr lvl="0"/>
-            <a:r>
-              <a:rPr lang="ru-RU" sz="2000" dirty="0"/>
-              <a:t>Для простых и одномерных данных рекомендуется подход, основанный на модели.</a:t>
-            </a:r>
-          </a:p>
-          <a:p>
-            <a:pPr lvl="0"/>
-            <a:r>
-              <a:rPr lang="ru-RU" sz="2000" dirty="0"/>
-              <a:t>Для сложных и многомерных данных в большом количестве модели, управляемые данными, могут обеспечить лучшую производительность.</a:t>
-            </a:r>
+              <a:t>Трудно достичь сопоставимой точности с подходом на основе модели для относительно простых данных.</a:t>
+            </a:r>
+          </a:p>
+        </p:txBody>
+      </p:sp>
+      <p:sp>
+        <p:nvSpPr>
+          <p:cNvPr id="4" name="TextBox 3"/>
+          <p:cNvSpPr txBox="1"/>
+          <p:nvPr/>
+        </p:nvSpPr>
+        <p:spPr>
+          <a:xfrm>
+            <a:off x="425513" y="5595042"/>
+            <a:ext cx="11062965" cy="1200329"/>
+          </a:xfrm>
+          <a:prstGeom prst="rect">
+            <a:avLst/>
+          </a:prstGeom>
+          <a:noFill/>
+        </p:spPr>
+        <p:txBody>
+          <a:bodyPr wrap="none" rtlCol="0">
+            <a:spAutoFit/>
+          </a:bodyPr>
+          <a:lstStyle/>
+          <a:p>
+            <a:r>
+              <a:rPr lang="ru-RU" dirty="0" smtClean="0"/>
+              <a:t>В отличии от предыдущих подходов у нас тут нет допущений об условиях работы процесса порождающего ВР,</a:t>
+            </a:r>
+          </a:p>
+          <a:p>
+            <a:r>
+              <a:rPr lang="ru-RU" dirty="0" smtClean="0"/>
+              <a:t>Поэтому модель следующая из процесса заменяется на примеры входных и выходных данных. </a:t>
+            </a:r>
+          </a:p>
+          <a:p>
+            <a:r>
+              <a:rPr lang="ru-RU" dirty="0" smtClean="0"/>
+              <a:t>В предсказаниях вход и выход – это одни и те же данные, но смещенные др. </a:t>
+            </a:r>
+            <a:r>
+              <a:rPr lang="ru-RU" dirty="0" err="1" smtClean="0"/>
+              <a:t>отн</a:t>
+            </a:r>
+            <a:r>
+              <a:rPr lang="ru-RU" dirty="0" smtClean="0"/>
+              <a:t>. Др. </a:t>
+            </a:r>
+            <a:br>
+              <a:rPr lang="ru-RU" dirty="0" smtClean="0"/>
+            </a:br>
+            <a:r>
+              <a:rPr lang="ru-RU" dirty="0" smtClean="0"/>
+              <a:t>(аналог градуировки работы прибора)</a:t>
+            </a:r>
+            <a:endParaRPr lang="ru-RU" dirty="0"/>
           </a:p>
         </p:txBody>
       </p:sp>
     </p:spTree>
     <p:extLst>
       <p:ext uri="{BB962C8B-B14F-4D97-AF65-F5344CB8AC3E}">
-        <p14:creationId xmlns:p14="http://schemas.microsoft.com/office/powerpoint/2010/main" val="668276073"/>
+        <p14:creationId xmlns:p14="http://schemas.microsoft.com/office/powerpoint/2010/main" val="2774874274"/>
       </p:ext>
     </p:extLst>
   </p:cSld>
@@ -4625,13 +4667,7 @@
       </p:grpSpPr>
       <p:sp>
         <p:nvSpPr>
-          <p:cNvPr id="2" name="Заголовок 1">
-            <a:extLst>
-              <a:ext uri="{FF2B5EF4-FFF2-40B4-BE49-F238E27FC236}">
-                <a16:creationId xmlns:a16="http://schemas.microsoft.com/office/drawing/2014/main" id="{E5E18C16-493F-C0F6-1226-B953C44BB2B9}"/>
-              </a:ext>
-            </a:extLst>
-          </p:cNvPr>
+          <p:cNvPr id="2" name="Заголовок 1"/>
           <p:cNvSpPr>
             <a:spLocks noGrp="1"/>
           </p:cNvSpPr>
@@ -4641,33 +4677,52 @@
         </p:nvSpPr>
         <p:spPr>
           <a:xfrm>
-            <a:off x="425824" y="0"/>
-            <a:ext cx="10515600" cy="1325563"/>
+            <a:off x="256374" y="365125"/>
+            <a:ext cx="11097426" cy="566367"/>
           </a:xfrm>
         </p:spPr>
         <p:txBody>
           <a:bodyPr>
-            <a:normAutofit/>
+            <a:noAutofit/>
           </a:bodyPr>
           <a:lstStyle/>
           <a:p>
-            <a:r>
-              <a:rPr lang="ru-RU" sz="4800" b="1" dirty="0" smtClean="0"/>
-              <a:t>Вопросы Базовые 1й верно</a:t>
-            </a:r>
-            <a:endParaRPr lang="ru-RU" sz="4800" b="1" dirty="0"/>
-          </a:p>
-        </p:txBody>
-      </p:sp>
-      <p:sp>
-        <p:nvSpPr>
-          <p:cNvPr id="3" name="Объект 2">
-            <a:extLst>
-              <a:ext uri="{FF2B5EF4-FFF2-40B4-BE49-F238E27FC236}">
-                <a16:creationId xmlns:a16="http://schemas.microsoft.com/office/drawing/2014/main" id="{BE421393-E6D9-4C04-F323-217F01E33B93}"/>
-              </a:ext>
-            </a:extLst>
-          </p:cNvPr>
+            <a:pPr algn="l" rtl="0"/>
+            <a:r>
+              <a:rPr lang="en-US" sz="3200" b="1" dirty="0" err="1"/>
+              <a:t>Прогноз</a:t>
+            </a:r>
+            <a:r>
+              <a:rPr lang="en-US" sz="3200" b="1" dirty="0"/>
+              <a:t> </a:t>
+            </a:r>
+            <a:r>
+              <a:rPr lang="en-US" sz="3200" b="1" dirty="0" err="1"/>
+              <a:t>временного</a:t>
+            </a:r>
+            <a:r>
+              <a:rPr lang="en-US" sz="3200" b="1" dirty="0"/>
+              <a:t> </a:t>
+            </a:r>
+            <a:r>
+              <a:rPr lang="en-US" sz="3200" b="1" dirty="0" err="1" smtClean="0"/>
+              <a:t>ряда</a:t>
+            </a:r>
+            <a:r>
+              <a:rPr lang="ru-RU" sz="3200" b="1" dirty="0" smtClean="0"/>
+              <a:t>. </a:t>
+            </a:r>
+            <a:r>
+              <a:rPr lang="en-US" sz="3200" b="1" dirty="0" smtClean="0"/>
+              <a:t>Model agnostic, automated FE</a:t>
+            </a:r>
+            <a:endParaRPr lang="ru-RU" sz="3200" b="1" dirty="0"/>
+          </a:p>
+        </p:txBody>
+      </p:sp>
+      <p:sp>
+        <p:nvSpPr>
+          <p:cNvPr id="3" name="Объект 2"/>
           <p:cNvSpPr>
             <a:spLocks noGrp="1"/>
           </p:cNvSpPr>
@@ -4677,522 +4732,117 @@
         </p:nvSpPr>
         <p:spPr>
           <a:xfrm>
-            <a:off x="506506" y="1129096"/>
-            <a:ext cx="10515600" cy="5135887"/>
+            <a:off x="256373" y="846034"/>
+            <a:ext cx="11835925" cy="5245471"/>
           </a:xfrm>
         </p:spPr>
         <p:txBody>
           <a:bodyPr>
-            <a:normAutofit fontScale="92500" lnSpcReduction="10000"/>
+            <a:noAutofit/>
           </a:bodyPr>
           <a:lstStyle/>
           <a:p>
             <a:pPr lvl="0"/>
             <a:r>
-              <a:rPr lang="ru-RU" sz="2000" b="1" dirty="0" smtClean="0"/>
-              <a:t>Непараметрические статические методы,</a:t>
-            </a:r>
-            <a:r>
-              <a:rPr lang="ru-RU" sz="2000" dirty="0"/>
-              <a:t>  такие как скользящее среднее, </a:t>
+              <a:rPr lang="ru-RU" sz="2000" b="1" dirty="0"/>
+              <a:t>Глубокая нейронная сеть</a:t>
+            </a:r>
+            <a:r>
+              <a:rPr lang="ru-RU" sz="2000" dirty="0"/>
+              <a:t> .</a:t>
+            </a:r>
+          </a:p>
+          <a:p>
+            <a:pPr lvl="0"/>
+            <a:r>
+              <a:rPr lang="ru-RU" sz="2000" dirty="0"/>
+              <a:t>Нет необходимости в статистической гипотезе или конкретной форме модели.</a:t>
+            </a:r>
+          </a:p>
+          <a:p>
+            <a:pPr lvl="1"/>
+            <a:r>
+              <a:rPr lang="ru-RU" sz="2000" dirty="0"/>
+              <a:t>Может аппроксимировать любую функцию с пропущенными данными, аномалиями и другими нерегулярными шаблонами.</a:t>
+            </a:r>
+          </a:p>
+          <a:p>
+            <a:pPr lvl="1"/>
+            <a:r>
+              <a:rPr lang="ru-RU" sz="2000" dirty="0"/>
+              <a:t>Позволяют работать с огромными многомерными рядами данных со сложной взаимосвязью поведения между данными.</a:t>
+            </a:r>
+          </a:p>
+          <a:p>
+            <a:pPr lvl="1"/>
+            <a:r>
+              <a:rPr lang="ru-RU" sz="2000" dirty="0"/>
+              <a:t>Автоматически извлекает и обрабатывает сложные признаки и отношения между ними.</a:t>
+            </a:r>
+          </a:p>
+          <a:p>
+            <a:pPr lvl="1"/>
+            <a:r>
+              <a:rPr lang="ru-RU" sz="2000" dirty="0"/>
+              <a:t>Требуется длительная настройка </a:t>
             </a:r>
             <a:r>
               <a:rPr lang="ru-RU" sz="2000" dirty="0" err="1"/>
-              <a:t>Холта</a:t>
-            </a:r>
-            <a:r>
-              <a:rPr lang="ru-RU" sz="2000" dirty="0"/>
-              <a:t>-Винтера, простая </a:t>
-            </a:r>
-            <a:r>
-              <a:rPr lang="ru-RU" sz="2000" dirty="0" smtClean="0"/>
-              <a:t>регрессия </a:t>
-            </a:r>
-            <a:r>
-              <a:rPr lang="ru-RU" sz="2000" dirty="0"/>
-              <a:t>Строятся</a:t>
-            </a:r>
-            <a:r>
-              <a:rPr lang="ru-RU" sz="2000" dirty="0" smtClean="0"/>
-              <a:t> на:</a:t>
-            </a:r>
-            <a:endParaRPr lang="ru-RU" sz="2000" dirty="0"/>
-          </a:p>
-          <a:p>
-            <a:pPr marL="914400" lvl="1" indent="-457200">
-              <a:buFont typeface="+mj-lt"/>
-              <a:buAutoNum type="arabicPeriod"/>
-            </a:pPr>
-            <a:r>
-              <a:rPr lang="ru-RU" sz="2000" dirty="0"/>
-              <a:t>на основе аналитической модели поведения </a:t>
-            </a:r>
-            <a:r>
-              <a:rPr lang="ru-RU" sz="2000" dirty="0" smtClean="0"/>
-              <a:t>ВР</a:t>
-            </a:r>
-          </a:p>
-          <a:p>
-            <a:pPr marL="914400" lvl="1" indent="-457200">
-              <a:buFont typeface="+mj-lt"/>
-              <a:buAutoNum type="arabicPeriod"/>
-            </a:pPr>
-            <a:r>
-              <a:rPr lang="ru-RU" sz="2000" dirty="0" smtClean="0"/>
-              <a:t>На основе данных</a:t>
-            </a:r>
-          </a:p>
-          <a:p>
-            <a:pPr marL="914400" lvl="1" indent="-457200">
-              <a:buFont typeface="+mj-lt"/>
-              <a:buAutoNum type="arabicPeriod"/>
-            </a:pPr>
-            <a:r>
-              <a:rPr lang="ru-RU" sz="2000" dirty="0" smtClean="0"/>
-              <a:t>На основе экспертных правил</a:t>
-            </a:r>
-          </a:p>
-          <a:p>
-            <a:pPr marL="914400" lvl="1" indent="-457200">
-              <a:buFont typeface="+mj-lt"/>
-              <a:buAutoNum type="arabicPeriod"/>
-            </a:pPr>
-            <a:r>
-              <a:rPr lang="ru-RU" sz="2000" dirty="0" smtClean="0"/>
-              <a:t>На основе таблиц признаков данных ВР</a:t>
+              <a:t>гиперпараметров</a:t>
+            </a:r>
+            <a:r>
+              <a:rPr lang="ru-RU" sz="2000" dirty="0"/>
+              <a:t>.</a:t>
+            </a:r>
+          </a:p>
+          <a:p>
+            <a:pPr lvl="1"/>
+            <a:r>
+              <a:rPr lang="ru-RU" sz="2000" dirty="0"/>
+              <a:t>Часто требуется ансамбль сетей для получения высокой точности.</a:t>
+            </a:r>
+          </a:p>
+          <a:p>
+            <a:pPr lvl="1"/>
+            <a:r>
+              <a:rPr lang="ru-RU" sz="2000" dirty="0"/>
+              <a:t>Тяжело перетренировать.</a:t>
+            </a:r>
+          </a:p>
+          <a:p>
+            <a:pPr lvl="1"/>
+            <a:r>
+              <a:rPr lang="ru-RU" sz="2000" dirty="0"/>
+              <a:t>Трудно достичь сопоставимой точности с подходом на основе модели для относительно простых рядов.</a:t>
             </a:r>
           </a:p>
           <a:p>
             <a:pPr lvl="0"/>
             <a:r>
-              <a:rPr lang="ru-RU" sz="2000" b="1" dirty="0"/>
-              <a:t>Параметрические методы,</a:t>
-            </a:r>
-            <a:r>
-              <a:rPr lang="ru-RU" sz="2000" dirty="0"/>
-              <a:t>  такие как ARIMA, GARCH, </a:t>
-            </a:r>
-            <a:r>
-              <a:rPr lang="ru-RU" sz="2000" dirty="0" smtClean="0"/>
-              <a:t>и </a:t>
-            </a:r>
-            <a:r>
-              <a:rPr lang="ru-RU" sz="2000" dirty="0"/>
-              <a:t>т. д</a:t>
-            </a:r>
-            <a:r>
-              <a:rPr lang="ru-RU" sz="2000" dirty="0" smtClean="0"/>
-              <a:t>. </a:t>
-            </a:r>
-            <a:r>
-              <a:rPr lang="ru-RU" sz="2000" dirty="0"/>
-              <a:t>Строятся</a:t>
-            </a:r>
-            <a:r>
-              <a:rPr lang="ru-RU" sz="2000" dirty="0" smtClean="0"/>
-              <a:t> </a:t>
-            </a:r>
-            <a:r>
-              <a:rPr lang="ru-RU" sz="2000" dirty="0"/>
-              <a:t>на основе </a:t>
-            </a:r>
-          </a:p>
-          <a:p>
-            <a:pPr marL="914400" lvl="1" indent="-457200">
-              <a:buFont typeface="+mj-lt"/>
-              <a:buAutoNum type="arabicPeriod"/>
-            </a:pPr>
-            <a:r>
-              <a:rPr lang="ru-RU" sz="2000" dirty="0" smtClean="0"/>
-              <a:t>аналитико-параметрической </a:t>
-            </a:r>
-            <a:r>
-              <a:rPr lang="ru-RU" sz="2000" dirty="0"/>
-              <a:t>модели поведения </a:t>
-            </a:r>
-            <a:r>
-              <a:rPr lang="ru-RU" sz="2000" dirty="0" smtClean="0"/>
-              <a:t>ВР </a:t>
-            </a:r>
-          </a:p>
-          <a:p>
-            <a:pPr marL="914400" lvl="1" indent="-457200">
-              <a:buFont typeface="+mj-lt"/>
-              <a:buAutoNum type="arabicPeriod"/>
-            </a:pPr>
-            <a:r>
-              <a:rPr lang="ru-RU" sz="2000" dirty="0" smtClean="0"/>
-              <a:t>Подтвержденных гипотез о характере распределения значений во ВР</a:t>
-            </a:r>
-          </a:p>
-          <a:p>
-            <a:pPr marL="914400" lvl="1" indent="-457200">
-              <a:buFont typeface="+mj-lt"/>
-              <a:buAutoNum type="arabicPeriod"/>
-            </a:pPr>
-            <a:r>
-              <a:rPr lang="ru-RU" sz="2000" dirty="0"/>
-              <a:t>На основе данных</a:t>
-            </a:r>
-          </a:p>
-          <a:p>
-            <a:pPr marL="914400" lvl="1" indent="-457200">
-              <a:buFont typeface="+mj-lt"/>
-              <a:buAutoNum type="arabicPeriod"/>
-            </a:pPr>
-            <a:r>
-              <a:rPr lang="ru-RU" sz="2000" dirty="0"/>
-              <a:t>На основе экспертных правил</a:t>
-            </a:r>
-          </a:p>
-          <a:p>
-            <a:r>
-              <a:rPr lang="ru-RU" sz="2400" b="1" dirty="0" smtClean="0"/>
-              <a:t>Модели машинного обучения для анализа ВР </a:t>
-            </a:r>
-            <a:r>
-              <a:rPr lang="ru-RU" sz="2400" dirty="0" smtClean="0"/>
-              <a:t>Строятся </a:t>
-            </a:r>
-            <a:r>
-              <a:rPr lang="ru-RU" sz="2400" dirty="0"/>
-              <a:t>на основе </a:t>
-            </a:r>
-            <a:endParaRPr lang="ru-RU" sz="2300" dirty="0">
-              <a:ea typeface="Calibri" panose="020F0502020204030204" pitchFamily="34" charset="0"/>
-              <a:cs typeface="Times New Roman" panose="02020603050405020304" pitchFamily="18" charset="0"/>
-            </a:endParaRPr>
-          </a:p>
-          <a:p>
-            <a:pPr marL="971550" lvl="1" indent="-514350">
-              <a:buFont typeface="+mj-lt"/>
-              <a:buAutoNum type="arabicPeriod"/>
-            </a:pPr>
-            <a:r>
-              <a:rPr lang="ru-RU" sz="1700" dirty="0"/>
-              <a:t>Данных, без строго сформулированных моделей их поведения</a:t>
-            </a:r>
-          </a:p>
-          <a:p>
-            <a:pPr marL="971550" lvl="1" indent="-514350">
-              <a:buFont typeface="+mj-lt"/>
-              <a:buAutoNum type="arabicPeriod"/>
-            </a:pPr>
-            <a:r>
-              <a:rPr lang="ru-RU" sz="1700" dirty="0"/>
-              <a:t>Данных, со строго сформулированными моделями их поведения</a:t>
-            </a:r>
-          </a:p>
-          <a:p>
-            <a:pPr marL="971550" lvl="1" indent="-514350">
-              <a:buFont typeface="+mj-lt"/>
-              <a:buAutoNum type="arabicPeriod"/>
-            </a:pPr>
-            <a:r>
-              <a:rPr lang="ru-RU" sz="1700" dirty="0"/>
-              <a:t>Только аналитической модели поведения ВР</a:t>
-            </a:r>
-          </a:p>
-          <a:p>
-            <a:pPr marL="971550" lvl="1" indent="-514350">
-              <a:buFont typeface="+mj-lt"/>
-              <a:buAutoNum type="arabicPeriod"/>
-            </a:pPr>
-            <a:r>
-              <a:rPr lang="ru-RU" sz="1700" dirty="0"/>
-              <a:t>аналитико-параметрической модели поведения ВР </a:t>
-            </a:r>
-          </a:p>
-          <a:p>
-            <a:pPr marL="514350" indent="-514350">
-              <a:buFont typeface="+mj-lt"/>
-              <a:buAutoNum type="arabicPeriod"/>
-            </a:pPr>
-            <a:endParaRPr lang="ru-RU" dirty="0">
-              <a:ea typeface="Calibri" panose="020F0502020204030204" pitchFamily="34" charset="0"/>
-              <a:cs typeface="Times New Roman" panose="02020603050405020304" pitchFamily="18" charset="0"/>
-            </a:endParaRPr>
-          </a:p>
-          <a:p>
-            <a:pPr marL="514350" indent="-514350">
-              <a:buFont typeface="+mj-lt"/>
-              <a:buAutoNum type="arabicPeriod"/>
-            </a:pPr>
-            <a:endParaRPr lang="ru-RU" dirty="0">
-              <a:ea typeface="Calibri" panose="020F0502020204030204" pitchFamily="34" charset="0"/>
-              <a:cs typeface="Times New Roman" panose="02020603050405020304" pitchFamily="18" charset="0"/>
-            </a:endParaRPr>
-          </a:p>
-          <a:p>
-            <a:endParaRPr lang="ru-RU" dirty="0"/>
+              <a:rPr lang="ru-RU" sz="2000" dirty="0"/>
+              <a:t>Выбор конкретных методов зависит от поставленной задачи.</a:t>
+            </a:r>
+          </a:p>
+          <a:p>
+            <a:pPr lvl="0"/>
+            <a:r>
+              <a:rPr lang="ru-RU" sz="2000" dirty="0"/>
+              <a:t>Для простых и одномерных данных рекомендуется подход, основанный на модели.</a:t>
+            </a:r>
+          </a:p>
+          <a:p>
+            <a:pPr lvl="0"/>
+            <a:r>
+              <a:rPr lang="ru-RU" sz="2000" dirty="0"/>
+              <a:t>Для сложных и многомерных данных в большом количестве модели, управляемые данными, могут обеспечить лучшую производительность.</a:t>
+            </a:r>
           </a:p>
         </p:txBody>
       </p:sp>
     </p:spTree>
     <p:extLst>
       <p:ext uri="{BB962C8B-B14F-4D97-AF65-F5344CB8AC3E}">
-        <p14:creationId xmlns:p14="http://schemas.microsoft.com/office/powerpoint/2010/main" val="2932222893"/>
-      </p:ext>
-    </p:extLst>
-  </p:cSld>
-  <p:clrMapOvr>
-    <a:masterClrMapping/>
-  </p:clrMapOvr>
-  <p:timing>
-    <p:tnLst>
-      <p:par>
-        <p:cTn id="1" dur="indefinite" restart="never" nodeType="tmRoot"/>
-      </p:par>
-    </p:tnLst>
-  </p:timing>
-</p:sld>
-</file>
-
-<file path=ppt/slides/slide7.xml><?xml version="1.0" encoding="utf-8"?>
-<p:sld xmlns:a="http://schemas.openxmlformats.org/drawingml/2006/main" xmlns:r="http://schemas.openxmlformats.org/officeDocument/2006/relationships" xmlns:p="http://schemas.openxmlformats.org/presentationml/2006/main">
-  <p:cSld>
-    <p:spTree>
-      <p:nvGrpSpPr>
-        <p:cNvPr id="1" name=""/>
-        <p:cNvGrpSpPr/>
-        <p:nvPr/>
-      </p:nvGrpSpPr>
-      <p:grpSpPr>
-        <a:xfrm>
-          <a:off x="0" y="0"/>
-          <a:ext cx="0" cy="0"/>
-          <a:chOff x="0" y="0"/>
-          <a:chExt cx="0" cy="0"/>
-        </a:xfrm>
-      </p:grpSpPr>
-      <p:sp>
-        <p:nvSpPr>
-          <p:cNvPr id="2" name="Заголовок 1">
-            <a:extLst>
-              <a:ext uri="{FF2B5EF4-FFF2-40B4-BE49-F238E27FC236}">
-                <a16:creationId xmlns:a16="http://schemas.microsoft.com/office/drawing/2014/main" id="{E5E18C16-493F-C0F6-1226-B953C44BB2B9}"/>
-              </a:ext>
-            </a:extLst>
-          </p:cNvPr>
-          <p:cNvSpPr>
-            <a:spLocks noGrp="1"/>
-          </p:cNvSpPr>
-          <p:nvPr>
-            <p:ph type="title"/>
-          </p:nvPr>
-        </p:nvSpPr>
-        <p:spPr>
-          <a:xfrm>
-            <a:off x="398929" y="0"/>
-            <a:ext cx="10515600" cy="1325563"/>
-          </a:xfrm>
-        </p:spPr>
-        <p:txBody>
-          <a:bodyPr>
-            <a:normAutofit/>
-          </a:bodyPr>
-          <a:lstStyle/>
-          <a:p>
-            <a:r>
-              <a:rPr lang="ru-RU" sz="4800" b="1" dirty="0" smtClean="0"/>
-              <a:t>Вопросы Продвинутые </a:t>
-            </a:r>
-            <a:r>
-              <a:rPr lang="ru-RU" sz="4800" b="1" dirty="0" err="1" smtClean="0"/>
-              <a:t>жирым</a:t>
-            </a:r>
-            <a:r>
-              <a:rPr lang="en-US" sz="4800" b="1" dirty="0" smtClean="0"/>
-              <a:t>-</a:t>
-            </a:r>
-            <a:r>
-              <a:rPr lang="ru-RU" sz="4800" b="1" dirty="0" smtClean="0"/>
-              <a:t>верно</a:t>
-            </a:r>
-            <a:endParaRPr lang="ru-RU" sz="4800" b="1" dirty="0"/>
-          </a:p>
-        </p:txBody>
-      </p:sp>
-      <p:sp>
-        <p:nvSpPr>
-          <p:cNvPr id="3" name="Объект 2">
-            <a:extLst>
-              <a:ext uri="{FF2B5EF4-FFF2-40B4-BE49-F238E27FC236}">
-                <a16:creationId xmlns:a16="http://schemas.microsoft.com/office/drawing/2014/main" id="{BE421393-E6D9-4C04-F323-217F01E33B93}"/>
-              </a:ext>
-            </a:extLst>
-          </p:cNvPr>
-          <p:cNvSpPr>
-            <a:spLocks noGrp="1"/>
-          </p:cNvSpPr>
-          <p:nvPr>
-            <p:ph idx="1"/>
-          </p:nvPr>
-        </p:nvSpPr>
-        <p:spPr>
-          <a:xfrm>
-            <a:off x="398929" y="1075308"/>
-            <a:ext cx="10515600" cy="5666151"/>
-          </a:xfrm>
-        </p:spPr>
-        <p:txBody>
-          <a:bodyPr>
-            <a:normAutofit/>
-          </a:bodyPr>
-          <a:lstStyle/>
-          <a:p>
-            <a:r>
-              <a:rPr lang="ru-RU" sz="2300" dirty="0" smtClean="0">
-                <a:ea typeface="Calibri" panose="020F0502020204030204" pitchFamily="34" charset="0"/>
-                <a:cs typeface="Times New Roman" panose="02020603050405020304" pitchFamily="18" charset="0"/>
-              </a:rPr>
-              <a:t>Соотнесите примеры и методы предсказания ВР</a:t>
-            </a:r>
-          </a:p>
-          <a:p>
-            <a:pPr marL="971550" lvl="1" indent="-514350">
-              <a:buFont typeface="+mj-lt"/>
-              <a:buAutoNum type="arabicPeriod"/>
-            </a:pPr>
-            <a:r>
-              <a:rPr lang="ru-RU" dirty="0" smtClean="0">
-                <a:cs typeface="Times New Roman" panose="02020603050405020304" pitchFamily="18" charset="0"/>
-              </a:rPr>
-              <a:t>Линейный тренд, сезонность типа синусоиды, белый гауссов Шум  - </a:t>
-            </a:r>
-            <a:r>
-              <a:rPr lang="ru-RU" b="1" dirty="0">
-                <a:ea typeface="Calibri" panose="020F0502020204030204" pitchFamily="34" charset="0"/>
-                <a:cs typeface="Times New Roman" panose="02020603050405020304" pitchFamily="18" charset="0"/>
-              </a:rPr>
-              <a:t>непараметрической модели ВР </a:t>
-            </a:r>
-            <a:endParaRPr lang="ru-RU" dirty="0" smtClean="0">
-              <a:cs typeface="Times New Roman" panose="02020603050405020304" pitchFamily="18" charset="0"/>
-            </a:endParaRPr>
-          </a:p>
-          <a:p>
-            <a:pPr marL="971550" lvl="1" indent="-514350">
-              <a:buFont typeface="+mj-lt"/>
-              <a:buAutoNum type="arabicPeriod"/>
-            </a:pPr>
-            <a:r>
-              <a:rPr lang="ru-RU" dirty="0" smtClean="0">
-                <a:cs typeface="Times New Roman" panose="02020603050405020304" pitchFamily="18" charset="0"/>
-              </a:rPr>
-              <a:t>ВР, чья вторая производная  проходит тест на стационарность и позволяет предположить наличие двух сезонных составляющих - </a:t>
-            </a:r>
-            <a:r>
-              <a:rPr lang="ru-RU" b="1" dirty="0" smtClean="0">
-                <a:ea typeface="Calibri" panose="020F0502020204030204" pitchFamily="34" charset="0"/>
-                <a:cs typeface="Times New Roman" panose="02020603050405020304" pitchFamily="18" charset="0"/>
-              </a:rPr>
-              <a:t>параметрической </a:t>
-            </a:r>
-            <a:r>
-              <a:rPr lang="ru-RU" b="1" dirty="0">
-                <a:ea typeface="Calibri" panose="020F0502020204030204" pitchFamily="34" charset="0"/>
-                <a:cs typeface="Times New Roman" panose="02020603050405020304" pitchFamily="18" charset="0"/>
-              </a:rPr>
-              <a:t>модели ВР </a:t>
-            </a:r>
-            <a:endParaRPr lang="ru-RU" dirty="0" smtClean="0">
-              <a:cs typeface="Times New Roman" panose="02020603050405020304" pitchFamily="18" charset="0"/>
-            </a:endParaRPr>
-          </a:p>
-          <a:p>
-            <a:pPr marL="914400" lvl="1" indent="-457200">
-              <a:buFont typeface="+mj-lt"/>
-              <a:buAutoNum type="arabicPeriod"/>
-            </a:pPr>
-            <a:r>
-              <a:rPr lang="ru-RU" sz="2000" dirty="0" smtClean="0">
-                <a:cs typeface="Times New Roman" panose="02020603050405020304" pitchFamily="18" charset="0"/>
-              </a:rPr>
-              <a:t>Много переменный ВР, признаки которого могут быть выделены в ручную, но формально ряд не удается описать – </a:t>
-            </a:r>
-            <a:r>
-              <a:rPr lang="ru-RU" sz="2000" b="1" dirty="0" smtClean="0">
-                <a:cs typeface="Times New Roman" panose="02020603050405020304" pitchFamily="18" charset="0"/>
-              </a:rPr>
-              <a:t>Классические методы машинного обучения </a:t>
-            </a:r>
-          </a:p>
-          <a:p>
-            <a:pPr marL="914400" lvl="1" indent="-457200">
-              <a:buFont typeface="+mj-lt"/>
-              <a:buAutoNum type="arabicPeriod"/>
-            </a:pPr>
-            <a:r>
-              <a:rPr lang="ru-RU" sz="2000" dirty="0" smtClean="0">
-                <a:cs typeface="Times New Roman" panose="02020603050405020304" pitchFamily="18" charset="0"/>
-              </a:rPr>
-              <a:t>Много переменный ВР</a:t>
-            </a:r>
-            <a:r>
-              <a:rPr lang="ru-RU" sz="2000" dirty="0">
-                <a:cs typeface="Times New Roman" panose="02020603050405020304" pitchFamily="18" charset="0"/>
-              </a:rPr>
-              <a:t> </a:t>
-            </a:r>
-            <a:r>
-              <a:rPr lang="ru-RU" sz="2000" dirty="0" smtClean="0">
-                <a:cs typeface="Times New Roman" panose="02020603050405020304" pitchFamily="18" charset="0"/>
-              </a:rPr>
-              <a:t>на миллионы записей, признаки в котором в ручную не удаётся выделить с достаточным качеством – </a:t>
-            </a:r>
-            <a:r>
-              <a:rPr lang="ru-RU" sz="2000" b="1" dirty="0" smtClean="0">
-                <a:cs typeface="Times New Roman" panose="02020603050405020304" pitchFamily="18" charset="0"/>
-              </a:rPr>
-              <a:t>методы глубокого обучения</a:t>
-            </a:r>
-          </a:p>
-          <a:p>
-            <a:pPr marL="914400" lvl="1" indent="-457200">
-              <a:buFont typeface="+mj-lt"/>
-              <a:buAutoNum type="arabicPeriod"/>
-            </a:pPr>
-            <a:endParaRPr lang="ru-RU" sz="2000" dirty="0">
-              <a:cs typeface="Times New Roman" panose="02020603050405020304" pitchFamily="18" charset="0"/>
-            </a:endParaRPr>
-          </a:p>
-          <a:p>
-            <a:pPr marL="914400" lvl="1" indent="-457200">
-              <a:buFont typeface="+mj-lt"/>
-              <a:buAutoNum type="arabicPeriod"/>
-            </a:pPr>
-            <a:endParaRPr lang="ru-RU" sz="1900" dirty="0" smtClean="0">
-              <a:ea typeface="Calibri" panose="020F0502020204030204" pitchFamily="34" charset="0"/>
-              <a:cs typeface="Times New Roman" panose="02020603050405020304" pitchFamily="18" charset="0"/>
-            </a:endParaRPr>
-          </a:p>
-          <a:p>
-            <a:pPr marL="914400" lvl="1" indent="-457200">
-              <a:buFont typeface="+mj-lt"/>
-              <a:buAutoNum type="arabicPeriod"/>
-            </a:pPr>
-            <a:endParaRPr lang="ru-RU" sz="1900" dirty="0" smtClean="0">
-              <a:ea typeface="Calibri" panose="020F0502020204030204" pitchFamily="34" charset="0"/>
-              <a:cs typeface="Times New Roman" panose="02020603050405020304" pitchFamily="18" charset="0"/>
-            </a:endParaRPr>
-          </a:p>
-          <a:p>
-            <a:pPr marL="914400" lvl="1" indent="-457200">
-              <a:buFont typeface="+mj-lt"/>
-              <a:buAutoNum type="arabicPeriod"/>
-            </a:pPr>
-            <a:endParaRPr lang="ru-RU" sz="1900" b="1" dirty="0">
-              <a:ea typeface="Calibri" panose="020F0502020204030204" pitchFamily="34" charset="0"/>
-              <a:cs typeface="Times New Roman" panose="02020603050405020304" pitchFamily="18" charset="0"/>
-            </a:endParaRPr>
-          </a:p>
-        </p:txBody>
-      </p:sp>
-    </p:spTree>
-    <p:extLst>
-      <p:ext uri="{BB962C8B-B14F-4D97-AF65-F5344CB8AC3E}">
-        <p14:creationId xmlns:p14="http://schemas.microsoft.com/office/powerpoint/2010/main" val="1839085870"/>
+        <p14:creationId xmlns:p14="http://schemas.microsoft.com/office/powerpoint/2010/main" val="668276073"/>
       </p:ext>
     </p:extLst>
   </p:cSld>

--- a/2024/Lec/Юнит 6 - методы предсказания ВР.pptx
+++ b/2024/Lec/Юнит 6 - методы предсказания ВР.pptx
@@ -5,15 +5,16 @@
     <p:sldMasterId id="2147483648" r:id="rId1"/>
   </p:sldMasterIdLst>
   <p:notesMasterIdLst>
-    <p:notesMasterId r:id="rId8"/>
+    <p:notesMasterId r:id="rId9"/>
   </p:notesMasterIdLst>
   <p:sldIdLst>
     <p:sldId id="256" r:id="rId2"/>
     <p:sldId id="350" r:id="rId3"/>
-    <p:sldId id="346" r:id="rId4"/>
-    <p:sldId id="347" r:id="rId5"/>
-    <p:sldId id="348" r:id="rId6"/>
-    <p:sldId id="349" r:id="rId7"/>
+    <p:sldId id="351" r:id="rId4"/>
+    <p:sldId id="346" r:id="rId5"/>
+    <p:sldId id="347" r:id="rId6"/>
+    <p:sldId id="348" r:id="rId7"/>
+    <p:sldId id="349" r:id="rId8"/>
   </p:sldIdLst>
   <p:sldSz cx="12192000" cy="6858000"/>
   <p:notesSz cx="6858000" cy="9144000"/>
@@ -119,6 +120,7 @@
           <p14:sldIdLst>
             <p14:sldId id="256"/>
             <p14:sldId id="350"/>
+            <p14:sldId id="351"/>
             <p14:sldId id="346"/>
             <p14:sldId id="347"/>
             <p14:sldId id="348"/>
@@ -216,7 +218,7 @@
           <a:p>
             <a:fld id="{C730246F-5962-E14A-AAF2-985CCFDAC345}" type="datetimeFigureOut">
               <a:rPr lang="ru-RU" smtClean="0"/>
-              <a:t>28.02.2024</a:t>
+              <a:t>11.03.2024</a:t>
             </a:fld>
             <a:endParaRPr lang="ru-RU"/>
           </a:p>
@@ -632,7 +634,7 @@
           <a:p>
             <a:fld id="{44343DC6-30E4-4569-999A-C703F926F2AF}" type="datetimeFigureOut">
               <a:rPr lang="en-US" smtClean="0"/>
-              <a:t>2/28/2024</a:t>
+              <a:t>3/11/2024</a:t>
             </a:fld>
             <a:endParaRPr lang="en-US"/>
           </a:p>
@@ -832,7 +834,7 @@
           <a:p>
             <a:fld id="{44343DC6-30E4-4569-999A-C703F926F2AF}" type="datetimeFigureOut">
               <a:rPr lang="en-US" smtClean="0"/>
-              <a:t>2/28/2024</a:t>
+              <a:t>3/11/2024</a:t>
             </a:fld>
             <a:endParaRPr lang="en-US"/>
           </a:p>
@@ -1042,7 +1044,7 @@
           <a:p>
             <a:fld id="{44343DC6-30E4-4569-999A-C703F926F2AF}" type="datetimeFigureOut">
               <a:rPr lang="en-US" smtClean="0"/>
-              <a:t>2/28/2024</a:t>
+              <a:t>3/11/2024</a:t>
             </a:fld>
             <a:endParaRPr lang="en-US"/>
           </a:p>
@@ -1242,7 +1244,7 @@
           <a:p>
             <a:fld id="{44343DC6-30E4-4569-999A-C703F926F2AF}" type="datetimeFigureOut">
               <a:rPr lang="en-US" smtClean="0"/>
-              <a:t>2/28/2024</a:t>
+              <a:t>3/11/2024</a:t>
             </a:fld>
             <a:endParaRPr lang="en-US"/>
           </a:p>
@@ -1518,7 +1520,7 @@
           <a:p>
             <a:fld id="{44343DC6-30E4-4569-999A-C703F926F2AF}" type="datetimeFigureOut">
               <a:rPr lang="en-US" smtClean="0"/>
-              <a:t>2/28/2024</a:t>
+              <a:t>3/11/2024</a:t>
             </a:fld>
             <a:endParaRPr lang="en-US"/>
           </a:p>
@@ -1786,7 +1788,7 @@
           <a:p>
             <a:fld id="{44343DC6-30E4-4569-999A-C703F926F2AF}" type="datetimeFigureOut">
               <a:rPr lang="en-US" smtClean="0"/>
-              <a:t>2/28/2024</a:t>
+              <a:t>3/11/2024</a:t>
             </a:fld>
             <a:endParaRPr lang="en-US"/>
           </a:p>
@@ -2201,7 +2203,7 @@
           <a:p>
             <a:fld id="{44343DC6-30E4-4569-999A-C703F926F2AF}" type="datetimeFigureOut">
               <a:rPr lang="en-US" smtClean="0"/>
-              <a:t>2/28/2024</a:t>
+              <a:t>3/11/2024</a:t>
             </a:fld>
             <a:endParaRPr lang="en-US"/>
           </a:p>
@@ -2343,7 +2345,7 @@
           <a:p>
             <a:fld id="{44343DC6-30E4-4569-999A-C703F926F2AF}" type="datetimeFigureOut">
               <a:rPr lang="en-US" smtClean="0"/>
-              <a:t>2/28/2024</a:t>
+              <a:t>3/11/2024</a:t>
             </a:fld>
             <a:endParaRPr lang="en-US"/>
           </a:p>
@@ -2456,7 +2458,7 @@
           <a:p>
             <a:fld id="{44343DC6-30E4-4569-999A-C703F926F2AF}" type="datetimeFigureOut">
               <a:rPr lang="en-US" smtClean="0"/>
-              <a:t>2/28/2024</a:t>
+              <a:t>3/11/2024</a:t>
             </a:fld>
             <a:endParaRPr lang="en-US"/>
           </a:p>
@@ -2769,7 +2771,7 @@
           <a:p>
             <a:fld id="{44343DC6-30E4-4569-999A-C703F926F2AF}" type="datetimeFigureOut">
               <a:rPr lang="en-US" smtClean="0"/>
-              <a:t>2/28/2024</a:t>
+              <a:t>3/11/2024</a:t>
             </a:fld>
             <a:endParaRPr lang="en-US"/>
           </a:p>
@@ -3058,7 +3060,7 @@
           <a:p>
             <a:fld id="{44343DC6-30E4-4569-999A-C703F926F2AF}" type="datetimeFigureOut">
               <a:rPr lang="en-US" smtClean="0"/>
-              <a:t>2/28/2024</a:t>
+              <a:t>3/11/2024</a:t>
             </a:fld>
             <a:endParaRPr lang="en-US"/>
           </a:p>
@@ -3301,7 +3303,7 @@
           <a:p>
             <a:fld id="{44343DC6-30E4-4569-999A-C703F926F2AF}" type="datetimeFigureOut">
               <a:rPr lang="en-US" smtClean="0"/>
-              <a:t>2/28/2024</a:t>
+              <a:t>3/11/2024</a:t>
             </a:fld>
             <a:endParaRPr lang="en-US"/>
           </a:p>
@@ -3845,7 +3847,7 @@
         </p:blipFill>
         <p:spPr>
           <a:xfrm>
-            <a:off x="95571" y="1152924"/>
+            <a:off x="191142" y="1430830"/>
             <a:ext cx="12000858" cy="2655722"/>
           </a:xfrm>
           <a:prstGeom prst="rect">
@@ -3863,6 +3865,13 @@
   <p:clrMapOvr>
     <a:masterClrMapping/>
   </p:clrMapOvr>
+  <p:timing>
+    <p:tnLst>
+      <p:par>
+        <p:cTn id="1" dur="indefinite" restart="never" nodeType="tmRoot"/>
+      </p:par>
+    </p:tnLst>
+  </p:timing>
 </p:sld>
 </file>
 
@@ -3893,203 +3902,110 @@
             <p:ph type="title"/>
           </p:nvPr>
         </p:nvSpPr>
+        <p:spPr/>
+        <p:txBody>
+          <a:bodyPr/>
+          <a:lstStyle/>
+          <a:p>
+            <a:endParaRPr lang="ru-RU"/>
+          </a:p>
+        </p:txBody>
+      </p:sp>
+      <p:sp>
+        <p:nvSpPr>
+          <p:cNvPr id="3" name="Объект 2"/>
+          <p:cNvSpPr>
+            <a:spLocks noGrp="1"/>
+          </p:cNvSpPr>
+          <p:nvPr>
+            <p:ph idx="1"/>
+          </p:nvPr>
+        </p:nvSpPr>
+        <p:spPr/>
+        <p:txBody>
+          <a:bodyPr/>
+          <a:lstStyle/>
+          <a:p>
+            <a:endParaRPr lang="ru-RU" dirty="0"/>
+          </a:p>
+        </p:txBody>
+      </p:sp>
+      <p:sp>
+        <p:nvSpPr>
+          <p:cNvPr id="5" name="Прямоугольник 4"/>
+          <p:cNvSpPr/>
+          <p:nvPr/>
+        </p:nvSpPr>
         <p:spPr>
           <a:xfrm>
-            <a:off x="256374" y="365125"/>
-            <a:ext cx="11097426" cy="566367"/>
+            <a:off x="394447" y="6211669"/>
+            <a:ext cx="6096000" cy="646331"/>
           </a:xfrm>
+          <a:prstGeom prst="rect">
+            <a:avLst/>
+          </a:prstGeom>
         </p:spPr>
         <p:txBody>
           <a:bodyPr>
-            <a:noAutofit/>
+            <a:spAutoFit/>
           </a:bodyPr>
           <a:lstStyle/>
           <a:p>
-            <a:pPr>
-              <a:lnSpc>
-                <a:spcPct val="100000"/>
-              </a:lnSpc>
-              <a:spcBef>
-                <a:spcPts val="0"/>
-              </a:spcBef>
-            </a:pPr>
-            <a:r>
-              <a:rPr lang="en-US" sz="3200" b="1" dirty="0" err="1"/>
-              <a:t>Прогноз</a:t>
-            </a:r>
-            <a:r>
-              <a:rPr lang="en-US" sz="3200" b="1" dirty="0"/>
-              <a:t> </a:t>
-            </a:r>
-            <a:r>
-              <a:rPr lang="en-US" sz="3200" b="1" dirty="0" err="1"/>
-              <a:t>временного</a:t>
-            </a:r>
-            <a:r>
-              <a:rPr lang="en-US" sz="3200" b="1" dirty="0"/>
-              <a:t> </a:t>
-            </a:r>
-            <a:r>
-              <a:rPr lang="en-US" sz="3200" b="1" dirty="0" err="1" smtClean="0"/>
-              <a:t>ряда</a:t>
-            </a:r>
-            <a:r>
-              <a:rPr lang="ru-RU" sz="3200" b="1" dirty="0"/>
-              <a:t>. </a:t>
-            </a:r>
-            <a:r>
-              <a:rPr lang="ru-RU" sz="3200" b="1" dirty="0" smtClean="0"/>
-              <a:t/>
-            </a:r>
-            <a:br>
-              <a:rPr lang="ru-RU" sz="3200" b="1" dirty="0" smtClean="0"/>
-            </a:br>
-            <a:r>
-              <a:rPr lang="ru-RU" sz="3200" b="1" dirty="0" smtClean="0"/>
-              <a:t>Методы </a:t>
-            </a:r>
-            <a:r>
-              <a:rPr lang="ru-RU" sz="3200" b="1" dirty="0"/>
-              <a:t>на основе специфичной модели</a:t>
-            </a:r>
-            <a:endParaRPr lang="en-US" sz="3200" b="1" dirty="0"/>
-          </a:p>
-        </p:txBody>
-      </p:sp>
-      <p:sp>
-        <p:nvSpPr>
-          <p:cNvPr id="3" name="Объект 2"/>
-          <p:cNvSpPr>
-            <a:spLocks noGrp="1"/>
-          </p:cNvSpPr>
-          <p:nvPr>
-            <p:ph idx="1"/>
-          </p:nvPr>
-        </p:nvSpPr>
+            <a:r>
+              <a:rPr lang="ru-RU" dirty="0"/>
+              <a:t>https://robjhyndman.com/hyndsight/terminology-matters/#same-concept-different-terminology</a:t>
+            </a:r>
+          </a:p>
+        </p:txBody>
+      </p:sp>
+      <p:pic>
+        <p:nvPicPr>
+          <p:cNvPr id="6" name="Рисунок 5"/>
+          <p:cNvPicPr>
+            <a:picLocks noChangeAspect="1"/>
+          </p:cNvPicPr>
+          <p:nvPr/>
+        </p:nvPicPr>
+        <p:blipFill>
+          <a:blip r:embed="rId2"/>
+          <a:stretch>
+            <a:fillRect/>
+          </a:stretch>
+        </p:blipFill>
         <p:spPr>
           <a:xfrm>
-            <a:off x="256374" y="1045211"/>
-            <a:ext cx="11528276" cy="5503491"/>
+            <a:off x="4965326" y="129708"/>
+            <a:ext cx="7181850" cy="6562725"/>
           </a:xfrm>
+          <a:prstGeom prst="rect">
+            <a:avLst/>
+          </a:prstGeom>
         </p:spPr>
-        <p:txBody>
-          <a:bodyPr>
-            <a:noAutofit/>
+      </p:pic>
+      <p:sp>
+        <p:nvSpPr>
+          <p:cNvPr id="7" name="Прямоугольник 6"/>
+          <p:cNvSpPr/>
+          <p:nvPr/>
+        </p:nvSpPr>
+        <p:spPr>
+          <a:xfrm>
+            <a:off x="1361983" y="4857982"/>
+            <a:ext cx="3079561" cy="369332"/>
+          </a:xfrm>
+          <a:prstGeom prst="rect">
+            <a:avLst/>
+          </a:prstGeom>
+        </p:spPr>
+        <p:txBody>
+          <a:bodyPr wrap="none">
+            <a:spAutoFit/>
           </a:bodyPr>
           <a:lstStyle/>
           <a:p>
-            <a:pPr lvl="0"/>
-            <a:r>
-              <a:rPr lang="ru-RU" sz="2000" dirty="0"/>
-              <a:t>Существует несколько типов решения задачи прогноза временных рядов.</a:t>
-            </a:r>
-          </a:p>
-          <a:p>
-            <a:pPr lvl="0"/>
-            <a:r>
-              <a:rPr lang="ru-RU" sz="2000" b="1" dirty="0"/>
-              <a:t>Стохастические модели (или подход, основанный на моделях)</a:t>
-            </a:r>
-            <a:r>
-              <a:rPr lang="ru-RU" sz="2000" dirty="0"/>
-              <a:t> . Методы можно разделить на непараметрические и параметрические.</a:t>
-            </a:r>
-          </a:p>
-          <a:p>
-            <a:pPr lvl="0"/>
-            <a:r>
-              <a:rPr lang="ru-RU" sz="2000" b="1" dirty="0"/>
-              <a:t>непараметрические,</a:t>
-            </a:r>
-            <a:r>
-              <a:rPr lang="ru-RU" sz="2000" dirty="0"/>
-              <a:t>  такие как скользящее среднее, </a:t>
-            </a:r>
-            <a:r>
-              <a:rPr lang="ru-RU" sz="2000" dirty="0" err="1"/>
-              <a:t>Холта</a:t>
-            </a:r>
-            <a:r>
-              <a:rPr lang="ru-RU" sz="2000" dirty="0"/>
-              <a:t>-Винтера, простая регрессия:</a:t>
-            </a:r>
-          </a:p>
-          <a:p>
-            <a:pPr lvl="1"/>
-            <a:r>
-              <a:rPr lang="ru-RU" sz="2000" dirty="0"/>
-              <a:t>на основе аналитической модели поведения ряда,</a:t>
-            </a:r>
-          </a:p>
-          <a:p>
-            <a:pPr lvl="1"/>
-            <a:r>
-              <a:rPr lang="ru-RU" sz="2000" dirty="0"/>
-              <a:t>легко обучаться и </a:t>
-            </a:r>
-            <a:r>
-              <a:rPr lang="ru-RU" sz="2000" dirty="0" err="1"/>
-              <a:t>дообучаться</a:t>
-            </a:r>
-            <a:r>
-              <a:rPr lang="ru-RU" sz="2000" dirty="0"/>
-              <a:t>,</a:t>
-            </a:r>
-          </a:p>
-          <a:p>
-            <a:pPr lvl="1"/>
-            <a:r>
-              <a:rPr lang="ru-RU" sz="2000" dirty="0"/>
-              <a:t>низкая вероятность переобучения,</a:t>
-            </a:r>
-          </a:p>
-          <a:p>
-            <a:pPr lvl="1"/>
-            <a:r>
-              <a:rPr lang="ru-RU" sz="2000" dirty="0"/>
-              <a:t>обеспечивают наилучшую точность для сравнительно простых данных (стационарных с гауссовыми шумами или некоторыми простыми шумами, такими как симметрично распределенные).</a:t>
-            </a:r>
-          </a:p>
-          <a:p>
-            <a:pPr lvl="1"/>
-            <a:r>
-              <a:rPr lang="ru-RU" sz="2000" dirty="0"/>
-              <a:t>точность сильно зависит от количества данных для обучения.</a:t>
-            </a:r>
-          </a:p>
-          <a:p>
-            <a:pPr lvl="1"/>
-            <a:r>
-              <a:rPr lang="ru-RU" sz="2000" dirty="0"/>
-              <a:t>производительность резко снижается, если поведение данных отличается от предполагаемого (формируют предполагаемую статистическую гипотезу).</a:t>
-            </a:r>
-          </a:p>
-          <a:p>
-            <a:pPr lvl="1"/>
-            <a:r>
-              <a:rPr lang="ru-RU" sz="2000" dirty="0"/>
-              <a:t>Хорошо работает только в одномерном случае.</a:t>
-            </a:r>
-          </a:p>
-          <a:p>
-            <a:pPr lvl="1"/>
-            <a:r>
-              <a:rPr lang="ru-RU" sz="2000" dirty="0"/>
-              <a:t>Легко интерпретируется.</a:t>
-            </a:r>
-          </a:p>
-          <a:p>
-            <a:pPr lvl="1"/>
-            <a:r>
-              <a:rPr lang="ru-RU" sz="2000" dirty="0"/>
-              <a:t>Может иметь аналитическое решение (например, для линейной регрессии).</a:t>
-            </a:r>
-          </a:p>
-          <a:p>
-            <a:pPr lvl="1"/>
-            <a:r>
-              <a:rPr lang="ru-RU" sz="2000" dirty="0"/>
-              <a:t>Для работы нам нужно знать тип распределения или делать серьезные предположения о нем.</a:t>
+            <a:r>
+              <a:rPr lang="ru-RU" dirty="0"/>
+              <a:t>https://dl.leima.is/time-series/</a:t>
             </a:r>
           </a:p>
         </p:txBody>
@@ -4097,7 +4013,7 @@
     </p:spTree>
     <p:extLst>
       <p:ext uri="{BB962C8B-B14F-4D97-AF65-F5344CB8AC3E}">
-        <p14:creationId xmlns:p14="http://schemas.microsoft.com/office/powerpoint/2010/main" val="626845024"/>
+        <p14:creationId xmlns:p14="http://schemas.microsoft.com/office/powerpoint/2010/main" val="48303424"/>
       </p:ext>
     </p:extLst>
   </p:cSld>
@@ -4153,7 +4069,14 @@
           </a:bodyPr>
           <a:lstStyle/>
           <a:p>
-            <a:pPr algn="l" rtl="0"/>
+            <a:pPr>
+              <a:lnSpc>
+                <a:spcPct val="100000"/>
+              </a:lnSpc>
+              <a:spcBef>
+                <a:spcPts val="0"/>
+              </a:spcBef>
+            </a:pPr>
             <a:r>
               <a:rPr lang="en-US" sz="3200" b="1" dirty="0" err="1"/>
               <a:t>Прогноз</a:t>
@@ -4175,17 +4098,25 @@
               <a:t>ряда</a:t>
             </a:r>
             <a:r>
+              <a:rPr lang="ru-RU" sz="3200" b="1" dirty="0"/>
+              <a:t>. </a:t>
+            </a:r>
+            <a:r>
               <a:rPr lang="ru-RU" sz="3200" b="1" dirty="0" smtClean="0"/>
-              <a:t>. </a:t>
+              <a:t/>
             </a:r>
             <a:br>
               <a:rPr lang="ru-RU" sz="3200" b="1" dirty="0" smtClean="0"/>
             </a:br>
             <a:r>
               <a:rPr lang="ru-RU" sz="3200" b="1" dirty="0" smtClean="0"/>
-              <a:t>Методы на основе специфичной модели</a:t>
-            </a:r>
-            <a:endParaRPr lang="ru-RU" sz="3200" b="1" dirty="0"/>
+              <a:t>Методы </a:t>
+            </a:r>
+            <a:r>
+              <a:rPr lang="ru-RU" sz="3200" b="1" dirty="0"/>
+              <a:t>на основе специфичной модели</a:t>
+            </a:r>
+            <a:endParaRPr lang="en-US" sz="3200" b="1" dirty="0"/>
           </a:p>
         </p:txBody>
       </p:sp>
@@ -4201,8 +4132,8 @@
         </p:nvSpPr>
         <p:spPr>
           <a:xfrm>
-            <a:off x="256374" y="1145415"/>
-            <a:ext cx="11379366" cy="5009465"/>
+            <a:off x="256374" y="1045211"/>
+            <a:ext cx="11528276" cy="5503491"/>
           </a:xfrm>
         </p:spPr>
         <p:txBody>
@@ -4213,34 +4144,45 @@
           <a:p>
             <a:pPr lvl="0"/>
             <a:r>
+              <a:rPr lang="ru-RU" sz="2000" dirty="0"/>
+              <a:t>Существует несколько типов решения задачи прогноза временных рядов.</a:t>
+            </a:r>
+          </a:p>
+          <a:p>
+            <a:pPr lvl="0"/>
+            <a:r>
               <a:rPr lang="ru-RU" sz="2000" b="1" dirty="0"/>
-              <a:t>Параметрические методы,</a:t>
-            </a:r>
-            <a:r>
-              <a:rPr lang="ru-RU" sz="2000" dirty="0"/>
-              <a:t>  такие как ARIMA, GARCH, </a:t>
+              <a:t>Стохастические модели (или подход, основанный на моделях)</a:t>
+            </a:r>
+            <a:r>
+              <a:rPr lang="ru-RU" sz="2000" dirty="0"/>
+              <a:t> . Методы можно разделить на непараметрические и параметрические.</a:t>
+            </a:r>
+          </a:p>
+          <a:p>
+            <a:pPr lvl="0"/>
+            <a:r>
+              <a:rPr lang="ru-RU" sz="2000" b="1" dirty="0"/>
+              <a:t>непараметрические,</a:t>
+            </a:r>
+            <a:r>
+              <a:rPr lang="ru-RU" sz="2000" dirty="0"/>
+              <a:t>  такие как скользящее среднее, </a:t>
             </a:r>
             <a:r>
               <a:rPr lang="ru-RU" sz="2000" dirty="0" err="1"/>
-              <a:t>Prophet</a:t>
-            </a:r>
-            <a:r>
-              <a:rPr lang="ru-RU" sz="2000" dirty="0"/>
-              <a:t> и т. д.</a:t>
+              <a:t>Холта</a:t>
+            </a:r>
+            <a:r>
+              <a:rPr lang="ru-RU" sz="2000" dirty="0"/>
+              <a:t>-Винтера, простая регрессия:</a:t>
             </a:r>
           </a:p>
           <a:p>
             <a:pPr lvl="1"/>
             <a:r>
               <a:rPr lang="ru-RU" sz="2000" dirty="0"/>
-              <a:t>Строиться на основе аналитико-параметрической модели поведения ряда,</a:t>
-            </a:r>
-          </a:p>
-          <a:p>
-            <a:pPr lvl="1"/>
-            <a:r>
-              <a:rPr lang="ru-RU" sz="2000" dirty="0"/>
-              <a:t>прост для понимания и реализации,</a:t>
+              <a:t>на основе аналитической модели поведения ряда,</a:t>
             </a:r>
           </a:p>
           <a:p>
@@ -4262,87 +4204,56 @@
             <a:pPr lvl="1"/>
             <a:r>
               <a:rPr lang="ru-RU" sz="2000" dirty="0"/>
-              <a:t>обеспечивают достаточно высокую точность прогноза,</a:t>
+              <a:t>низкая вероятность переобучения,</a:t>
             </a:r>
           </a:p>
           <a:p>
             <a:pPr lvl="1"/>
             <a:r>
               <a:rPr lang="ru-RU" sz="2000" dirty="0"/>
-              <a:t>лучше работать с одномерными данными,</a:t>
+              <a:t>обеспечивают наилучшую точность для сравнительно простых данных (стационарных с гауссовыми шумами или некоторыми простыми шумами, такими как симметрично распределенные).</a:t>
             </a:r>
           </a:p>
           <a:p>
             <a:pPr lvl="1"/>
             <a:r>
               <a:rPr lang="ru-RU" sz="2000" dirty="0"/>
-              <a:t>лучше при относительно простых </a:t>
-            </a:r>
-            <a:r>
-              <a:rPr lang="ru-RU" sz="2000" dirty="0" err="1"/>
-              <a:t>нестационарностях</a:t>
-            </a:r>
-            <a:r>
-              <a:rPr lang="ru-RU" sz="2000" dirty="0"/>
-              <a:t> в данных,</a:t>
+              <a:t>точность сильно зависит от количества данных для обучения.</a:t>
             </a:r>
           </a:p>
           <a:p>
             <a:pPr lvl="1"/>
             <a:r>
               <a:rPr lang="ru-RU" sz="2000" dirty="0"/>
-              <a:t>точность сильно зависит от количества данных для обучения,</a:t>
+              <a:t>производительность резко снижается, если поведение данных отличается от предполагаемого (формируют предполагаемую статистическую гипотезу).</a:t>
             </a:r>
           </a:p>
           <a:p>
             <a:pPr lvl="1"/>
             <a:r>
               <a:rPr lang="ru-RU" sz="2000" dirty="0"/>
-              <a:t>точность сильно зависит от выбора значений </a:t>
-            </a:r>
-            <a:r>
-              <a:rPr lang="ru-RU" sz="2000" dirty="0" err="1"/>
-              <a:t>гиперпараметров</a:t>
-            </a:r>
-            <a:r>
-              <a:rPr lang="ru-RU" sz="2000" dirty="0"/>
-              <a:t> (здесь </a:t>
-            </a:r>
-            <a:r>
-              <a:rPr lang="ru-RU" sz="2000" dirty="0" err="1"/>
-              <a:t>гиперпараметры</a:t>
-            </a:r>
-            <a:r>
-              <a:rPr lang="ru-RU" sz="2000" dirty="0"/>
-              <a:t> являются аналогом статистической гипотезы в непараметрическом подходе),</a:t>
+              <a:t>Хорошо работает только в одномерном случае.</a:t>
             </a:r>
           </a:p>
           <a:p>
             <a:pPr lvl="1"/>
             <a:r>
               <a:rPr lang="ru-RU" sz="2000" dirty="0"/>
-              <a:t>не может справиться со сложной нелинейной зависимостью между данными,</a:t>
+              <a:t>Легко интерпретируется.</a:t>
             </a:r>
           </a:p>
           <a:p>
             <a:pPr lvl="1"/>
             <a:r>
               <a:rPr lang="ru-RU" sz="2000" dirty="0"/>
-              <a:t>низкая производительность для огромных многомерных нестационарных рядов (особенно в случае данных с различным поведением и т. д.).</a:t>
+              <a:t>Может иметь аналитическое решение (например, для линейной регрессии).</a:t>
             </a:r>
           </a:p>
           <a:p>
             <a:pPr lvl="1"/>
             <a:r>
               <a:rPr lang="ru-RU" sz="2000" dirty="0"/>
-              <a:t>Легко интерпретируется.</a:t>
-            </a:r>
-          </a:p>
-          <a:p>
-            <a:pPr lvl="1"/>
-            <a:r>
-              <a:rPr lang="ru-RU" sz="2000" dirty="0"/>
-              <a:t>Более устойчивый к выводам в случае хорошо выбранной модели (из-за сверхвысокого разрешения с выводами для небольших наборов данных).</a:t>
+              <a:t>Для работы нам нужно знать тип распределения или делать серьезные предположения о нем.</a:t>
             </a:r>
           </a:p>
         </p:txBody>
@@ -4350,7 +4261,7 @@
     </p:spTree>
     <p:extLst>
       <p:ext uri="{BB962C8B-B14F-4D97-AF65-F5344CB8AC3E}">
-        <p14:creationId xmlns:p14="http://schemas.microsoft.com/office/powerpoint/2010/main" val="2403468856"/>
+        <p14:creationId xmlns:p14="http://schemas.microsoft.com/office/powerpoint/2010/main" val="626845024"/>
       </p:ext>
     </p:extLst>
   </p:cSld>
@@ -4408,6 +4319,259 @@
           <a:p>
             <a:pPr algn="l" rtl="0"/>
             <a:r>
+              <a:rPr lang="en-US" sz="3200" b="1" dirty="0" err="1"/>
+              <a:t>Прогноз</a:t>
+            </a:r>
+            <a:r>
+              <a:rPr lang="en-US" sz="3200" b="1" dirty="0"/>
+              <a:t> </a:t>
+            </a:r>
+            <a:r>
+              <a:rPr lang="en-US" sz="3200" b="1" dirty="0" err="1"/>
+              <a:t>временного</a:t>
+            </a:r>
+            <a:r>
+              <a:rPr lang="en-US" sz="3200" b="1" dirty="0"/>
+              <a:t> </a:t>
+            </a:r>
+            <a:r>
+              <a:rPr lang="en-US" sz="3200" b="1" dirty="0" err="1" smtClean="0"/>
+              <a:t>ряда</a:t>
+            </a:r>
+            <a:r>
+              <a:rPr lang="ru-RU" sz="3200" b="1" dirty="0" smtClean="0"/>
+              <a:t>. </a:t>
+            </a:r>
+            <a:br>
+              <a:rPr lang="ru-RU" sz="3200" b="1" dirty="0" smtClean="0"/>
+            </a:br>
+            <a:r>
+              <a:rPr lang="ru-RU" sz="3200" b="1" dirty="0" smtClean="0"/>
+              <a:t>Методы на основе специфичной модели</a:t>
+            </a:r>
+            <a:endParaRPr lang="ru-RU" sz="3200" b="1" dirty="0"/>
+          </a:p>
+        </p:txBody>
+      </p:sp>
+      <p:sp>
+        <p:nvSpPr>
+          <p:cNvPr id="3" name="Объект 2"/>
+          <p:cNvSpPr>
+            <a:spLocks noGrp="1"/>
+          </p:cNvSpPr>
+          <p:nvPr>
+            <p:ph idx="1"/>
+          </p:nvPr>
+        </p:nvSpPr>
+        <p:spPr>
+          <a:xfrm>
+            <a:off x="256374" y="1145415"/>
+            <a:ext cx="11379366" cy="5009465"/>
+          </a:xfrm>
+        </p:spPr>
+        <p:txBody>
+          <a:bodyPr>
+            <a:noAutofit/>
+          </a:bodyPr>
+          <a:lstStyle/>
+          <a:p>
+            <a:pPr lvl="0"/>
+            <a:r>
+              <a:rPr lang="ru-RU" sz="2000" b="1" dirty="0"/>
+              <a:t>Параметрические методы,</a:t>
+            </a:r>
+            <a:r>
+              <a:rPr lang="ru-RU" sz="2000" dirty="0"/>
+              <a:t>  такие как ARIMA, GARCH, </a:t>
+            </a:r>
+            <a:r>
+              <a:rPr lang="ru-RU" sz="2000" dirty="0" err="1"/>
+              <a:t>Prophet</a:t>
+            </a:r>
+            <a:r>
+              <a:rPr lang="ru-RU" sz="2000" dirty="0"/>
+              <a:t> и т. д.</a:t>
+            </a:r>
+          </a:p>
+          <a:p>
+            <a:pPr lvl="1"/>
+            <a:r>
+              <a:rPr lang="ru-RU" sz="2000" dirty="0"/>
+              <a:t>Строиться на основе аналитико-параметрической модели поведения ряда,</a:t>
+            </a:r>
+          </a:p>
+          <a:p>
+            <a:pPr lvl="1"/>
+            <a:r>
+              <a:rPr lang="ru-RU" sz="2000" dirty="0"/>
+              <a:t>прост для понимания и реализации,</a:t>
+            </a:r>
+          </a:p>
+          <a:p>
+            <a:pPr lvl="1"/>
+            <a:r>
+              <a:rPr lang="ru-RU" sz="2000" dirty="0"/>
+              <a:t>легко обучаться и </a:t>
+            </a:r>
+            <a:r>
+              <a:rPr lang="ru-RU" sz="2000" dirty="0" err="1"/>
+              <a:t>дообучаться</a:t>
+            </a:r>
+            <a:r>
+              <a:rPr lang="ru-RU" sz="2000" dirty="0"/>
+              <a:t>,</a:t>
+            </a:r>
+          </a:p>
+          <a:p>
+            <a:pPr lvl="1"/>
+            <a:r>
+              <a:rPr lang="ru-RU" sz="2000" dirty="0"/>
+              <a:t>обеспечивают достаточно высокую точность прогноза,</a:t>
+            </a:r>
+          </a:p>
+          <a:p>
+            <a:pPr lvl="1"/>
+            <a:r>
+              <a:rPr lang="ru-RU" sz="2000" dirty="0"/>
+              <a:t>лучше работать с одномерными данными,</a:t>
+            </a:r>
+          </a:p>
+          <a:p>
+            <a:pPr lvl="1"/>
+            <a:r>
+              <a:rPr lang="ru-RU" sz="2000" dirty="0"/>
+              <a:t>лучше при относительно простых </a:t>
+            </a:r>
+            <a:r>
+              <a:rPr lang="ru-RU" sz="2000" dirty="0" err="1"/>
+              <a:t>нестационарностях</a:t>
+            </a:r>
+            <a:r>
+              <a:rPr lang="ru-RU" sz="2000" dirty="0"/>
+              <a:t> в данных,</a:t>
+            </a:r>
+          </a:p>
+          <a:p>
+            <a:pPr lvl="1"/>
+            <a:r>
+              <a:rPr lang="ru-RU" sz="2000" dirty="0"/>
+              <a:t>точность сильно зависит от количества данных для обучения,</a:t>
+            </a:r>
+          </a:p>
+          <a:p>
+            <a:pPr lvl="1"/>
+            <a:r>
+              <a:rPr lang="ru-RU" sz="2000" dirty="0"/>
+              <a:t>точность сильно зависит от выбора значений </a:t>
+            </a:r>
+            <a:r>
+              <a:rPr lang="ru-RU" sz="2000" dirty="0" err="1"/>
+              <a:t>гиперпараметров</a:t>
+            </a:r>
+            <a:r>
+              <a:rPr lang="ru-RU" sz="2000" dirty="0"/>
+              <a:t> (здесь </a:t>
+            </a:r>
+            <a:r>
+              <a:rPr lang="ru-RU" sz="2000" dirty="0" err="1"/>
+              <a:t>гиперпараметры</a:t>
+            </a:r>
+            <a:r>
+              <a:rPr lang="ru-RU" sz="2000" dirty="0"/>
+              <a:t> являются аналогом статистической гипотезы в непараметрическом подходе),</a:t>
+            </a:r>
+          </a:p>
+          <a:p>
+            <a:pPr lvl="1"/>
+            <a:r>
+              <a:rPr lang="ru-RU" sz="2000" dirty="0"/>
+              <a:t>не может справиться со сложной нелинейной зависимостью между данными,</a:t>
+            </a:r>
+          </a:p>
+          <a:p>
+            <a:pPr lvl="1"/>
+            <a:r>
+              <a:rPr lang="ru-RU" sz="2000" dirty="0"/>
+              <a:t>низкая производительность для огромных многомерных нестационарных рядов (особенно в случае данных с различным поведением и т. д.).</a:t>
+            </a:r>
+          </a:p>
+          <a:p>
+            <a:pPr lvl="1"/>
+            <a:r>
+              <a:rPr lang="ru-RU" sz="2000" dirty="0"/>
+              <a:t>Легко интерпретируется.</a:t>
+            </a:r>
+          </a:p>
+          <a:p>
+            <a:pPr lvl="1"/>
+            <a:r>
+              <a:rPr lang="ru-RU" sz="2000" dirty="0"/>
+              <a:t>Более устойчивый к выводам в случае хорошо выбранной модели (из-за сверхвысокого разрешения с выводами для небольших наборов данных).</a:t>
+            </a:r>
+          </a:p>
+        </p:txBody>
+      </p:sp>
+    </p:spTree>
+    <p:extLst>
+      <p:ext uri="{BB962C8B-B14F-4D97-AF65-F5344CB8AC3E}">
+        <p14:creationId xmlns:p14="http://schemas.microsoft.com/office/powerpoint/2010/main" val="2403468856"/>
+      </p:ext>
+    </p:extLst>
+  </p:cSld>
+  <p:clrMapOvr>
+    <a:masterClrMapping/>
+  </p:clrMapOvr>
+  <p:timing>
+    <p:tnLst>
+      <p:par>
+        <p:cTn id="1" dur="indefinite" restart="never" nodeType="tmRoot"/>
+      </p:par>
+    </p:tnLst>
+  </p:timing>
+</p:sld>
+</file>
+
+<file path=ppt/slides/slide6.xml><?xml version="1.0" encoding="utf-8"?>
+<p:sld xmlns:a="http://schemas.openxmlformats.org/drawingml/2006/main" xmlns:r="http://schemas.openxmlformats.org/officeDocument/2006/relationships" xmlns:p="http://schemas.openxmlformats.org/presentationml/2006/main">
+  <p:cSld>
+    <p:spTree>
+      <p:nvGrpSpPr>
+        <p:cNvPr id="1" name=""/>
+        <p:cNvGrpSpPr/>
+        <p:nvPr/>
+      </p:nvGrpSpPr>
+      <p:grpSpPr>
+        <a:xfrm>
+          <a:off x="0" y="0"/>
+          <a:ext cx="0" cy="0"/>
+          <a:chOff x="0" y="0"/>
+          <a:chExt cx="0" cy="0"/>
+        </a:xfrm>
+      </p:grpSpPr>
+      <p:sp>
+        <p:nvSpPr>
+          <p:cNvPr id="2" name="Заголовок 1"/>
+          <p:cNvSpPr>
+            <a:spLocks noGrp="1"/>
+          </p:cNvSpPr>
+          <p:nvPr>
+            <p:ph type="title"/>
+          </p:nvPr>
+        </p:nvSpPr>
+        <p:spPr>
+          <a:xfrm>
+            <a:off x="256374" y="365125"/>
+            <a:ext cx="11097426" cy="566367"/>
+          </a:xfrm>
+        </p:spPr>
+        <p:txBody>
+          <a:bodyPr>
+            <a:noAutofit/>
+          </a:bodyPr>
+          <a:lstStyle/>
+          <a:p>
+            <a:pPr algn="l" rtl="0"/>
+            <a:r>
               <a:rPr lang="ru-RU" sz="3200" b="1" dirty="0"/>
               <a:t>Методы машинного обучения</a:t>
             </a:r>
@@ -4648,7 +4812,7 @@
 </p:sld>
 </file>
 
-<file path=ppt/slides/slide6.xml><?xml version="1.0" encoding="utf-8"?>
+<file path=ppt/slides/slide7.xml><?xml version="1.0" encoding="utf-8"?>
 <p:sld xmlns:a="http://schemas.openxmlformats.org/drawingml/2006/main" xmlns:r="http://schemas.openxmlformats.org/officeDocument/2006/relationships" xmlns:p="http://schemas.openxmlformats.org/presentationml/2006/main">
   <p:cSld>
     <p:spTree>
